--- a/プレゼンテーション1.pptx
+++ b/プレゼンテーション1.pptx
@@ -4,6 +4,9 @@
   <p:sldMasterIdLst>
     <p:sldMasterId id="2147483648" r:id="rId1"/>
   </p:sldMasterIdLst>
+  <p:notesMasterIdLst>
+    <p:notesMasterId r:id="rId14"/>
+  </p:notesMasterIdLst>
   <p:sldIdLst>
     <p:sldId id="256" r:id="rId2"/>
     <p:sldId id="266" r:id="rId3"/>
@@ -115,7 +118,1768 @@
       </a:defRPr>
     </a:lvl9pPr>
   </p:defaultTextStyle>
+  <p:extLst>
+    <p:ext uri="{EFAFB233-063F-42B5-8137-9DF3F51BA10A}">
+      <p15:sldGuideLst xmlns:p15="http://schemas.microsoft.com/office/powerpoint/2012/main"/>
+    </p:ext>
+  </p:extLst>
 </p:presentation>
+</file>
+
+<file path=ppt/notesMasters/notesMaster1.xml><?xml version="1.0" encoding="utf-8"?>
+<p:notesMaster xmlns:a="http://schemas.openxmlformats.org/drawingml/2006/main" xmlns:r="http://schemas.openxmlformats.org/officeDocument/2006/relationships" xmlns:p="http://schemas.openxmlformats.org/presentationml/2006/main">
+  <p:cSld>
+    <p:bg>
+      <p:bgRef idx="1001">
+        <a:schemeClr val="bg1"/>
+      </p:bgRef>
+    </p:bg>
+    <p:spTree>
+      <p:nvGrpSpPr>
+        <p:cNvPr id="1" name=""/>
+        <p:cNvGrpSpPr/>
+        <p:nvPr/>
+      </p:nvGrpSpPr>
+      <p:grpSpPr>
+        <a:xfrm>
+          <a:off x="0" y="0"/>
+          <a:ext cx="0" cy="0"/>
+          <a:chOff x="0" y="0"/>
+          <a:chExt cx="0" cy="0"/>
+        </a:xfrm>
+      </p:grpSpPr>
+      <p:sp>
+        <p:nvSpPr>
+          <p:cNvPr id="2" name="ヘッダー プレースホルダー 1"/>
+          <p:cNvSpPr>
+            <a:spLocks noGrp="1"/>
+          </p:cNvSpPr>
+          <p:nvPr>
+            <p:ph type="hdr" sz="quarter"/>
+          </p:nvPr>
+        </p:nvSpPr>
+        <p:spPr>
+          <a:xfrm>
+            <a:off x="0" y="0"/>
+            <a:ext cx="2971800" cy="458788"/>
+          </a:xfrm>
+          <a:prstGeom prst="rect">
+            <a:avLst/>
+          </a:prstGeom>
+        </p:spPr>
+        <p:txBody>
+          <a:bodyPr vert="horz" lIns="91440" tIns="45720" rIns="91440" bIns="45720" rtlCol="0"/>
+          <a:lstStyle>
+            <a:lvl1pPr algn="l">
+              <a:defRPr sz="1200"/>
+            </a:lvl1pPr>
+          </a:lstStyle>
+          <a:p>
+            <a:endParaRPr kumimoji="1" lang="ja-JP" altLang="en-US"/>
+          </a:p>
+        </p:txBody>
+      </p:sp>
+      <p:sp>
+        <p:nvSpPr>
+          <p:cNvPr id="3" name="日付プレースホルダー 2"/>
+          <p:cNvSpPr>
+            <a:spLocks noGrp="1"/>
+          </p:cNvSpPr>
+          <p:nvPr>
+            <p:ph type="dt" idx="1"/>
+          </p:nvPr>
+        </p:nvSpPr>
+        <p:spPr>
+          <a:xfrm>
+            <a:off x="3884613" y="0"/>
+            <a:ext cx="2971800" cy="458788"/>
+          </a:xfrm>
+          <a:prstGeom prst="rect">
+            <a:avLst/>
+          </a:prstGeom>
+        </p:spPr>
+        <p:txBody>
+          <a:bodyPr vert="horz" lIns="91440" tIns="45720" rIns="91440" bIns="45720" rtlCol="0"/>
+          <a:lstStyle>
+            <a:lvl1pPr algn="r">
+              <a:defRPr sz="1200"/>
+            </a:lvl1pPr>
+          </a:lstStyle>
+          <a:p>
+            <a:fld id="{E804AA86-3A04-4C26-BAA2-9A07F5CD8AB2}" type="datetimeFigureOut">
+              <a:rPr kumimoji="1" lang="ja-JP" altLang="en-US" smtClean="0"/>
+              <a:t>2019/10/10</a:t>
+            </a:fld>
+            <a:endParaRPr kumimoji="1" lang="ja-JP" altLang="en-US"/>
+          </a:p>
+        </p:txBody>
+      </p:sp>
+      <p:sp>
+        <p:nvSpPr>
+          <p:cNvPr id="4" name="スライド イメージ プレースホルダー 3"/>
+          <p:cNvSpPr>
+            <a:spLocks noGrp="1" noRot="1" noChangeAspect="1"/>
+          </p:cNvSpPr>
+          <p:nvPr>
+            <p:ph type="sldImg" idx="2"/>
+          </p:nvPr>
+        </p:nvSpPr>
+        <p:spPr>
+          <a:xfrm>
+            <a:off x="685800" y="1143000"/>
+            <a:ext cx="5486400" cy="3086100"/>
+          </a:xfrm>
+          <a:prstGeom prst="rect">
+            <a:avLst/>
+          </a:prstGeom>
+          <a:noFill/>
+          <a:ln w="12700">
+            <a:solidFill>
+              <a:prstClr val="black"/>
+            </a:solidFill>
+          </a:ln>
+        </p:spPr>
+        <p:txBody>
+          <a:bodyPr vert="horz" lIns="91440" tIns="45720" rIns="91440" bIns="45720" rtlCol="0" anchor="ctr"/>
+          <a:lstStyle/>
+          <a:p>
+            <a:endParaRPr lang="ja-JP" altLang="en-US"/>
+          </a:p>
+        </p:txBody>
+      </p:sp>
+      <p:sp>
+        <p:nvSpPr>
+          <p:cNvPr id="5" name="ノート プレースホルダー 4"/>
+          <p:cNvSpPr>
+            <a:spLocks noGrp="1"/>
+          </p:cNvSpPr>
+          <p:nvPr>
+            <p:ph type="body" sz="quarter" idx="3"/>
+          </p:nvPr>
+        </p:nvSpPr>
+        <p:spPr>
+          <a:xfrm>
+            <a:off x="685800" y="4400550"/>
+            <a:ext cx="5486400" cy="3600450"/>
+          </a:xfrm>
+          <a:prstGeom prst="rect">
+            <a:avLst/>
+          </a:prstGeom>
+        </p:spPr>
+        <p:txBody>
+          <a:bodyPr vert="horz" lIns="91440" tIns="45720" rIns="91440" bIns="45720" rtlCol="0"/>
+          <a:lstStyle/>
+          <a:p>
+            <a:pPr lvl="0"/>
+            <a:r>
+              <a:rPr kumimoji="1" lang="ja-JP" altLang="en-US" smtClean="0"/>
+              <a:t>マスター テキストの書式設定</a:t>
+            </a:r>
+          </a:p>
+          <a:p>
+            <a:pPr lvl="1"/>
+            <a:r>
+              <a:rPr kumimoji="1" lang="ja-JP" altLang="en-US" smtClean="0"/>
+              <a:t>第 </a:t>
+            </a:r>
+            <a:r>
+              <a:rPr kumimoji="1" lang="en-US" altLang="ja-JP" smtClean="0"/>
+              <a:t>2 </a:t>
+            </a:r>
+            <a:r>
+              <a:rPr kumimoji="1" lang="ja-JP" altLang="en-US" smtClean="0"/>
+              <a:t>レベル</a:t>
+            </a:r>
+          </a:p>
+          <a:p>
+            <a:pPr lvl="2"/>
+            <a:r>
+              <a:rPr kumimoji="1" lang="ja-JP" altLang="en-US" smtClean="0"/>
+              <a:t>第 </a:t>
+            </a:r>
+            <a:r>
+              <a:rPr kumimoji="1" lang="en-US" altLang="ja-JP" smtClean="0"/>
+              <a:t>3 </a:t>
+            </a:r>
+            <a:r>
+              <a:rPr kumimoji="1" lang="ja-JP" altLang="en-US" smtClean="0"/>
+              <a:t>レベル</a:t>
+            </a:r>
+          </a:p>
+          <a:p>
+            <a:pPr lvl="3"/>
+            <a:r>
+              <a:rPr kumimoji="1" lang="ja-JP" altLang="en-US" smtClean="0"/>
+              <a:t>第 </a:t>
+            </a:r>
+            <a:r>
+              <a:rPr kumimoji="1" lang="en-US" altLang="ja-JP" smtClean="0"/>
+              <a:t>4 </a:t>
+            </a:r>
+            <a:r>
+              <a:rPr kumimoji="1" lang="ja-JP" altLang="en-US" smtClean="0"/>
+              <a:t>レベル</a:t>
+            </a:r>
+          </a:p>
+          <a:p>
+            <a:pPr lvl="4"/>
+            <a:r>
+              <a:rPr kumimoji="1" lang="ja-JP" altLang="en-US" smtClean="0"/>
+              <a:t>第 </a:t>
+            </a:r>
+            <a:r>
+              <a:rPr kumimoji="1" lang="en-US" altLang="ja-JP" smtClean="0"/>
+              <a:t>5 </a:t>
+            </a:r>
+            <a:r>
+              <a:rPr kumimoji="1" lang="ja-JP" altLang="en-US" smtClean="0"/>
+              <a:t>レベル</a:t>
+            </a:r>
+            <a:endParaRPr kumimoji="1" lang="ja-JP" altLang="en-US"/>
+          </a:p>
+        </p:txBody>
+      </p:sp>
+      <p:sp>
+        <p:nvSpPr>
+          <p:cNvPr id="6" name="フッター プレースホルダー 5"/>
+          <p:cNvSpPr>
+            <a:spLocks noGrp="1"/>
+          </p:cNvSpPr>
+          <p:nvPr>
+            <p:ph type="ftr" sz="quarter" idx="4"/>
+          </p:nvPr>
+        </p:nvSpPr>
+        <p:spPr>
+          <a:xfrm>
+            <a:off x="0" y="8685213"/>
+            <a:ext cx="2971800" cy="458787"/>
+          </a:xfrm>
+          <a:prstGeom prst="rect">
+            <a:avLst/>
+          </a:prstGeom>
+        </p:spPr>
+        <p:txBody>
+          <a:bodyPr vert="horz" lIns="91440" tIns="45720" rIns="91440" bIns="45720" rtlCol="0" anchor="b"/>
+          <a:lstStyle>
+            <a:lvl1pPr algn="l">
+              <a:defRPr sz="1200"/>
+            </a:lvl1pPr>
+          </a:lstStyle>
+          <a:p>
+            <a:endParaRPr kumimoji="1" lang="ja-JP" altLang="en-US"/>
+          </a:p>
+        </p:txBody>
+      </p:sp>
+      <p:sp>
+        <p:nvSpPr>
+          <p:cNvPr id="7" name="スライド番号プレースホルダー 6"/>
+          <p:cNvSpPr>
+            <a:spLocks noGrp="1"/>
+          </p:cNvSpPr>
+          <p:nvPr>
+            <p:ph type="sldNum" sz="quarter" idx="5"/>
+          </p:nvPr>
+        </p:nvSpPr>
+        <p:spPr>
+          <a:xfrm>
+            <a:off x="3884613" y="8685213"/>
+            <a:ext cx="2971800" cy="458787"/>
+          </a:xfrm>
+          <a:prstGeom prst="rect">
+            <a:avLst/>
+          </a:prstGeom>
+        </p:spPr>
+        <p:txBody>
+          <a:bodyPr vert="horz" lIns="91440" tIns="45720" rIns="91440" bIns="45720" rtlCol="0" anchor="b"/>
+          <a:lstStyle>
+            <a:lvl1pPr algn="r">
+              <a:defRPr sz="1200"/>
+            </a:lvl1pPr>
+          </a:lstStyle>
+          <a:p>
+            <a:fld id="{E688441C-F395-40D9-A96F-893E81C16D77}" type="slidenum">
+              <a:rPr kumimoji="1" lang="ja-JP" altLang="en-US" smtClean="0"/>
+              <a:t>‹#›</a:t>
+            </a:fld>
+            <a:endParaRPr kumimoji="1" lang="ja-JP" altLang="en-US"/>
+          </a:p>
+        </p:txBody>
+      </p:sp>
+    </p:spTree>
+    <p:extLst>
+      <p:ext uri="{BB962C8B-B14F-4D97-AF65-F5344CB8AC3E}">
+        <p14:creationId xmlns:p14="http://schemas.microsoft.com/office/powerpoint/2010/main" val="3614857277"/>
+      </p:ext>
+    </p:extLst>
+  </p:cSld>
+  <p:clrMap bg1="lt1" tx1="dk1" bg2="lt2" tx2="dk2" accent1="accent1" accent2="accent2" accent3="accent3" accent4="accent4" accent5="accent5" accent6="accent6" hlink="hlink" folHlink="folHlink"/>
+  <p:notesStyle>
+    <a:lvl1pPr marL="0" algn="l" defTabSz="914400" rtl="0" eaLnBrk="1" latinLnBrk="0" hangingPunct="1">
+      <a:defRPr kumimoji="1" sz="1200" kern="1200">
+        <a:solidFill>
+          <a:schemeClr val="tx1"/>
+        </a:solidFill>
+        <a:latin typeface="+mn-lt"/>
+        <a:ea typeface="+mn-ea"/>
+        <a:cs typeface="+mn-cs"/>
+      </a:defRPr>
+    </a:lvl1pPr>
+    <a:lvl2pPr marL="457200" algn="l" defTabSz="914400" rtl="0" eaLnBrk="1" latinLnBrk="0" hangingPunct="1">
+      <a:defRPr kumimoji="1" sz="1200" kern="1200">
+        <a:solidFill>
+          <a:schemeClr val="tx1"/>
+        </a:solidFill>
+        <a:latin typeface="+mn-lt"/>
+        <a:ea typeface="+mn-ea"/>
+        <a:cs typeface="+mn-cs"/>
+      </a:defRPr>
+    </a:lvl2pPr>
+    <a:lvl3pPr marL="914400" algn="l" defTabSz="914400" rtl="0" eaLnBrk="1" latinLnBrk="0" hangingPunct="1">
+      <a:defRPr kumimoji="1" sz="1200" kern="1200">
+        <a:solidFill>
+          <a:schemeClr val="tx1"/>
+        </a:solidFill>
+        <a:latin typeface="+mn-lt"/>
+        <a:ea typeface="+mn-ea"/>
+        <a:cs typeface="+mn-cs"/>
+      </a:defRPr>
+    </a:lvl3pPr>
+    <a:lvl4pPr marL="1371600" algn="l" defTabSz="914400" rtl="0" eaLnBrk="1" latinLnBrk="0" hangingPunct="1">
+      <a:defRPr kumimoji="1" sz="1200" kern="1200">
+        <a:solidFill>
+          <a:schemeClr val="tx1"/>
+        </a:solidFill>
+        <a:latin typeface="+mn-lt"/>
+        <a:ea typeface="+mn-ea"/>
+        <a:cs typeface="+mn-cs"/>
+      </a:defRPr>
+    </a:lvl4pPr>
+    <a:lvl5pPr marL="1828800" algn="l" defTabSz="914400" rtl="0" eaLnBrk="1" latinLnBrk="0" hangingPunct="1">
+      <a:defRPr kumimoji="1" sz="1200" kern="1200">
+        <a:solidFill>
+          <a:schemeClr val="tx1"/>
+        </a:solidFill>
+        <a:latin typeface="+mn-lt"/>
+        <a:ea typeface="+mn-ea"/>
+        <a:cs typeface="+mn-cs"/>
+      </a:defRPr>
+    </a:lvl5pPr>
+    <a:lvl6pPr marL="2286000" algn="l" defTabSz="914400" rtl="0" eaLnBrk="1" latinLnBrk="0" hangingPunct="1">
+      <a:defRPr kumimoji="1" sz="1200" kern="1200">
+        <a:solidFill>
+          <a:schemeClr val="tx1"/>
+        </a:solidFill>
+        <a:latin typeface="+mn-lt"/>
+        <a:ea typeface="+mn-ea"/>
+        <a:cs typeface="+mn-cs"/>
+      </a:defRPr>
+    </a:lvl6pPr>
+    <a:lvl7pPr marL="2743200" algn="l" defTabSz="914400" rtl="0" eaLnBrk="1" latinLnBrk="0" hangingPunct="1">
+      <a:defRPr kumimoji="1" sz="1200" kern="1200">
+        <a:solidFill>
+          <a:schemeClr val="tx1"/>
+        </a:solidFill>
+        <a:latin typeface="+mn-lt"/>
+        <a:ea typeface="+mn-ea"/>
+        <a:cs typeface="+mn-cs"/>
+      </a:defRPr>
+    </a:lvl7pPr>
+    <a:lvl8pPr marL="3200400" algn="l" defTabSz="914400" rtl="0" eaLnBrk="1" latinLnBrk="0" hangingPunct="1">
+      <a:defRPr kumimoji="1" sz="1200" kern="1200">
+        <a:solidFill>
+          <a:schemeClr val="tx1"/>
+        </a:solidFill>
+        <a:latin typeface="+mn-lt"/>
+        <a:ea typeface="+mn-ea"/>
+        <a:cs typeface="+mn-cs"/>
+      </a:defRPr>
+    </a:lvl8pPr>
+    <a:lvl9pPr marL="3657600" algn="l" defTabSz="914400" rtl="0" eaLnBrk="1" latinLnBrk="0" hangingPunct="1">
+      <a:defRPr kumimoji="1" sz="1200" kern="1200">
+        <a:solidFill>
+          <a:schemeClr val="tx1"/>
+        </a:solidFill>
+        <a:latin typeface="+mn-lt"/>
+        <a:ea typeface="+mn-ea"/>
+        <a:cs typeface="+mn-cs"/>
+      </a:defRPr>
+    </a:lvl9pPr>
+  </p:notesStyle>
+</p:notesMaster>
+</file>
+
+<file path=ppt/notesSlides/notesSlide1.xml><?xml version="1.0" encoding="utf-8"?>
+<p:notes xmlns:a="http://schemas.openxmlformats.org/drawingml/2006/main" xmlns:r="http://schemas.openxmlformats.org/officeDocument/2006/relationships" xmlns:p="http://schemas.openxmlformats.org/presentationml/2006/main">
+  <p:cSld>
+    <p:spTree>
+      <p:nvGrpSpPr>
+        <p:cNvPr id="1" name=""/>
+        <p:cNvGrpSpPr/>
+        <p:nvPr/>
+      </p:nvGrpSpPr>
+      <p:grpSpPr>
+        <a:xfrm>
+          <a:off x="0" y="0"/>
+          <a:ext cx="0" cy="0"/>
+          <a:chOff x="0" y="0"/>
+          <a:chExt cx="0" cy="0"/>
+        </a:xfrm>
+      </p:grpSpPr>
+      <p:sp>
+        <p:nvSpPr>
+          <p:cNvPr id="2" name="スライド イメージ プレースホルダー 1"/>
+          <p:cNvSpPr>
+            <a:spLocks noGrp="1" noRot="1" noChangeAspect="1"/>
+          </p:cNvSpPr>
+          <p:nvPr>
+            <p:ph type="sldImg"/>
+          </p:nvPr>
+        </p:nvSpPr>
+        <p:spPr/>
+      </p:sp>
+      <p:sp>
+        <p:nvSpPr>
+          <p:cNvPr id="3" name="ノート プレースホルダー 2"/>
+          <p:cNvSpPr>
+            <a:spLocks noGrp="1"/>
+          </p:cNvSpPr>
+          <p:nvPr>
+            <p:ph type="body" idx="1"/>
+          </p:nvPr>
+        </p:nvSpPr>
+        <p:spPr/>
+        <p:txBody>
+          <a:bodyPr/>
+          <a:lstStyle/>
+          <a:p>
+            <a:r>
+              <a:rPr kumimoji="1" lang="ja-JP" altLang="en-US" dirty="0" smtClean="0"/>
+              <a:t>これから、</a:t>
+            </a:r>
+            <a:endParaRPr kumimoji="1" lang="en-US" altLang="ja-JP" dirty="0" smtClean="0"/>
+          </a:p>
+          <a:p>
+            <a:r>
+              <a:rPr kumimoji="1" lang="ja-JP" altLang="en-US" dirty="0" smtClean="0"/>
+              <a:t>チーム名○○の</a:t>
+            </a:r>
+            <a:endParaRPr kumimoji="1" lang="en-US" altLang="ja-JP" dirty="0" smtClean="0"/>
+          </a:p>
+          <a:p>
+            <a:r>
+              <a:rPr kumimoji="1" lang="ja-JP" altLang="en-US" dirty="0" smtClean="0"/>
+              <a:t>発表を始めさせていただきます。</a:t>
+            </a:r>
+            <a:endParaRPr kumimoji="1" lang="en-US" altLang="ja-JP" dirty="0" smtClean="0"/>
+          </a:p>
+          <a:p>
+            <a:endParaRPr kumimoji="1" lang="en-US" altLang="ja-JP" dirty="0" smtClean="0"/>
+          </a:p>
+          <a:p>
+            <a:r>
+              <a:rPr kumimoji="1" lang="ja-JP" altLang="en-US" dirty="0" smtClean="0"/>
+              <a:t>早速ですが、私たちが今回作ったゲームのタイトルは</a:t>
+            </a:r>
+            <a:endParaRPr kumimoji="1" lang="en-US" altLang="ja-JP" dirty="0" smtClean="0"/>
+          </a:p>
+          <a:p>
+            <a:r>
+              <a:rPr kumimoji="1" lang="ja-JP" altLang="en-US" dirty="0" smtClean="0"/>
+              <a:t>○○です！よろしくおねがいしまー</a:t>
+            </a:r>
+            <a:r>
+              <a:rPr kumimoji="1" lang="ja-JP" altLang="en-US" dirty="0" err="1" smtClean="0"/>
+              <a:t>す</a:t>
+            </a:r>
+            <a:r>
+              <a:rPr kumimoji="1" lang="ja-JP" altLang="en-US" dirty="0" smtClean="0"/>
+              <a:t>！！</a:t>
+            </a:r>
+            <a:endParaRPr kumimoji="1" lang="ja-JP" altLang="en-US" dirty="0"/>
+          </a:p>
+        </p:txBody>
+      </p:sp>
+      <p:sp>
+        <p:nvSpPr>
+          <p:cNvPr id="4" name="スライド番号プレースホルダー 3"/>
+          <p:cNvSpPr>
+            <a:spLocks noGrp="1"/>
+          </p:cNvSpPr>
+          <p:nvPr>
+            <p:ph type="sldNum" sz="quarter" idx="10"/>
+          </p:nvPr>
+        </p:nvSpPr>
+        <p:spPr/>
+        <p:txBody>
+          <a:bodyPr/>
+          <a:lstStyle/>
+          <a:p>
+            <a:fld id="{E688441C-F395-40D9-A96F-893E81C16D77}" type="slidenum">
+              <a:rPr kumimoji="1" lang="ja-JP" altLang="en-US" smtClean="0"/>
+              <a:t>1</a:t>
+            </a:fld>
+            <a:endParaRPr kumimoji="1" lang="ja-JP" altLang="en-US"/>
+          </a:p>
+        </p:txBody>
+      </p:sp>
+    </p:spTree>
+    <p:extLst>
+      <p:ext uri="{BB962C8B-B14F-4D97-AF65-F5344CB8AC3E}">
+        <p14:creationId xmlns:p14="http://schemas.microsoft.com/office/powerpoint/2010/main" val="2090816147"/>
+      </p:ext>
+    </p:extLst>
+  </p:cSld>
+  <p:clrMapOvr>
+    <a:masterClrMapping/>
+  </p:clrMapOvr>
+</p:notes>
+</file>
+
+<file path=ppt/notesSlides/notesSlide10.xml><?xml version="1.0" encoding="utf-8"?>
+<p:notes xmlns:a="http://schemas.openxmlformats.org/drawingml/2006/main" xmlns:r="http://schemas.openxmlformats.org/officeDocument/2006/relationships" xmlns:p="http://schemas.openxmlformats.org/presentationml/2006/main">
+  <p:cSld>
+    <p:spTree>
+      <p:nvGrpSpPr>
+        <p:cNvPr id="1" name=""/>
+        <p:cNvGrpSpPr/>
+        <p:nvPr/>
+      </p:nvGrpSpPr>
+      <p:grpSpPr>
+        <a:xfrm>
+          <a:off x="0" y="0"/>
+          <a:ext cx="0" cy="0"/>
+          <a:chOff x="0" y="0"/>
+          <a:chExt cx="0" cy="0"/>
+        </a:xfrm>
+      </p:grpSpPr>
+      <p:sp>
+        <p:nvSpPr>
+          <p:cNvPr id="2" name="スライド イメージ プレースホルダー 1"/>
+          <p:cNvSpPr>
+            <a:spLocks noGrp="1" noRot="1" noChangeAspect="1"/>
+          </p:cNvSpPr>
+          <p:nvPr>
+            <p:ph type="sldImg"/>
+          </p:nvPr>
+        </p:nvSpPr>
+        <p:spPr/>
+      </p:sp>
+      <p:sp>
+        <p:nvSpPr>
+          <p:cNvPr id="3" name="ノート プレースホルダー 2"/>
+          <p:cNvSpPr>
+            <a:spLocks noGrp="1"/>
+          </p:cNvSpPr>
+          <p:nvPr>
+            <p:ph type="body" idx="1"/>
+          </p:nvPr>
+        </p:nvSpPr>
+        <p:spPr/>
+        <p:txBody>
+          <a:bodyPr/>
+          <a:lstStyle/>
+          <a:p>
+            <a:r>
+              <a:rPr kumimoji="1" lang="en-US" altLang="ja-JP" dirty="0" smtClean="0"/>
+              <a:t>※</a:t>
+            </a:r>
+            <a:r>
+              <a:rPr kumimoji="1" lang="ja-JP" altLang="en-US" dirty="0" smtClean="0"/>
+              <a:t>移るよ～</a:t>
+            </a:r>
+            <a:endParaRPr kumimoji="1" lang="ja-JP" altLang="en-US" dirty="0"/>
+          </a:p>
+        </p:txBody>
+      </p:sp>
+      <p:sp>
+        <p:nvSpPr>
+          <p:cNvPr id="4" name="スライド番号プレースホルダー 3"/>
+          <p:cNvSpPr>
+            <a:spLocks noGrp="1"/>
+          </p:cNvSpPr>
+          <p:nvPr>
+            <p:ph type="sldNum" sz="quarter" idx="10"/>
+          </p:nvPr>
+        </p:nvSpPr>
+        <p:spPr/>
+        <p:txBody>
+          <a:bodyPr/>
+          <a:lstStyle/>
+          <a:p>
+            <a:fld id="{E688441C-F395-40D9-A96F-893E81C16D77}" type="slidenum">
+              <a:rPr kumimoji="1" lang="ja-JP" altLang="en-US" smtClean="0"/>
+              <a:t>10</a:t>
+            </a:fld>
+            <a:endParaRPr kumimoji="1" lang="ja-JP" altLang="en-US"/>
+          </a:p>
+        </p:txBody>
+      </p:sp>
+    </p:spTree>
+    <p:extLst>
+      <p:ext uri="{BB962C8B-B14F-4D97-AF65-F5344CB8AC3E}">
+        <p14:creationId xmlns:p14="http://schemas.microsoft.com/office/powerpoint/2010/main" val="3146439535"/>
+      </p:ext>
+    </p:extLst>
+  </p:cSld>
+  <p:clrMapOvr>
+    <a:masterClrMapping/>
+  </p:clrMapOvr>
+</p:notes>
+</file>
+
+<file path=ppt/notesSlides/notesSlide11.xml><?xml version="1.0" encoding="utf-8"?>
+<p:notes xmlns:a="http://schemas.openxmlformats.org/drawingml/2006/main" xmlns:r="http://schemas.openxmlformats.org/officeDocument/2006/relationships" xmlns:p="http://schemas.openxmlformats.org/presentationml/2006/main">
+  <p:cSld>
+    <p:spTree>
+      <p:nvGrpSpPr>
+        <p:cNvPr id="1" name=""/>
+        <p:cNvGrpSpPr/>
+        <p:nvPr/>
+      </p:nvGrpSpPr>
+      <p:grpSpPr>
+        <a:xfrm>
+          <a:off x="0" y="0"/>
+          <a:ext cx="0" cy="0"/>
+          <a:chOff x="0" y="0"/>
+          <a:chExt cx="0" cy="0"/>
+        </a:xfrm>
+      </p:grpSpPr>
+      <p:sp>
+        <p:nvSpPr>
+          <p:cNvPr id="2" name="スライド イメージ プレースホルダー 1"/>
+          <p:cNvSpPr>
+            <a:spLocks noGrp="1" noRot="1" noChangeAspect="1"/>
+          </p:cNvSpPr>
+          <p:nvPr>
+            <p:ph type="sldImg"/>
+          </p:nvPr>
+        </p:nvSpPr>
+        <p:spPr/>
+      </p:sp>
+      <p:sp>
+        <p:nvSpPr>
+          <p:cNvPr id="3" name="ノート プレースホルダー 2"/>
+          <p:cNvSpPr>
+            <a:spLocks noGrp="1"/>
+          </p:cNvSpPr>
+          <p:nvPr>
+            <p:ph type="body" idx="1"/>
+          </p:nvPr>
+        </p:nvSpPr>
+        <p:spPr/>
+        <p:txBody>
+          <a:bodyPr/>
+          <a:lstStyle/>
+          <a:p>
+            <a:r>
+              <a:rPr kumimoji="1" lang="ja-JP" altLang="en-US" dirty="0" smtClean="0"/>
+              <a:t>今回の感想・反省</a:t>
+            </a:r>
+            <a:endParaRPr kumimoji="1" lang="en-US" altLang="ja-JP" dirty="0" smtClean="0"/>
+          </a:p>
+          <a:p>
+            <a:endParaRPr kumimoji="1" lang="en-US" altLang="ja-JP" dirty="0" smtClean="0"/>
+          </a:p>
+          <a:p>
+            <a:r>
+              <a:rPr kumimoji="1" lang="en-US" altLang="ja-JP" dirty="0" smtClean="0"/>
+              <a:t>※2</a:t>
+            </a:r>
+            <a:r>
+              <a:rPr kumimoji="1" lang="ja-JP" altLang="en-US" dirty="0" smtClean="0"/>
+              <a:t>つ読む</a:t>
+            </a:r>
+            <a:endParaRPr kumimoji="1" lang="en-US" altLang="ja-JP" dirty="0" smtClean="0"/>
+          </a:p>
+          <a:p>
+            <a:endParaRPr kumimoji="1" lang="en-US" altLang="ja-JP" dirty="0" smtClean="0"/>
+          </a:p>
+          <a:p>
+            <a:r>
+              <a:rPr kumimoji="1" lang="ja-JP" altLang="en-US" dirty="0" smtClean="0"/>
+              <a:t>はい！</a:t>
+            </a:r>
+            <a:endParaRPr kumimoji="1" lang="en-US" altLang="ja-JP" dirty="0" smtClean="0"/>
+          </a:p>
+          <a:p>
+            <a:endParaRPr kumimoji="1" lang="ja-JP" altLang="en-US" dirty="0"/>
+          </a:p>
+        </p:txBody>
+      </p:sp>
+      <p:sp>
+        <p:nvSpPr>
+          <p:cNvPr id="4" name="スライド番号プレースホルダー 3"/>
+          <p:cNvSpPr>
+            <a:spLocks noGrp="1"/>
+          </p:cNvSpPr>
+          <p:nvPr>
+            <p:ph type="sldNum" sz="quarter" idx="10"/>
+          </p:nvPr>
+        </p:nvSpPr>
+        <p:spPr/>
+        <p:txBody>
+          <a:bodyPr/>
+          <a:lstStyle/>
+          <a:p>
+            <a:fld id="{E688441C-F395-40D9-A96F-893E81C16D77}" type="slidenum">
+              <a:rPr kumimoji="1" lang="ja-JP" altLang="en-US" smtClean="0"/>
+              <a:t>11</a:t>
+            </a:fld>
+            <a:endParaRPr kumimoji="1" lang="ja-JP" altLang="en-US"/>
+          </a:p>
+        </p:txBody>
+      </p:sp>
+    </p:spTree>
+    <p:extLst>
+      <p:ext uri="{BB962C8B-B14F-4D97-AF65-F5344CB8AC3E}">
+        <p14:creationId xmlns:p14="http://schemas.microsoft.com/office/powerpoint/2010/main" val="166671382"/>
+      </p:ext>
+    </p:extLst>
+  </p:cSld>
+  <p:clrMapOvr>
+    <a:masterClrMapping/>
+  </p:clrMapOvr>
+</p:notes>
+</file>
+
+<file path=ppt/notesSlides/notesSlide12.xml><?xml version="1.0" encoding="utf-8"?>
+<p:notes xmlns:a="http://schemas.openxmlformats.org/drawingml/2006/main" xmlns:r="http://schemas.openxmlformats.org/officeDocument/2006/relationships" xmlns:p="http://schemas.openxmlformats.org/presentationml/2006/main">
+  <p:cSld>
+    <p:spTree>
+      <p:nvGrpSpPr>
+        <p:cNvPr id="1" name=""/>
+        <p:cNvGrpSpPr/>
+        <p:nvPr/>
+      </p:nvGrpSpPr>
+      <p:grpSpPr>
+        <a:xfrm>
+          <a:off x="0" y="0"/>
+          <a:ext cx="0" cy="0"/>
+          <a:chOff x="0" y="0"/>
+          <a:chExt cx="0" cy="0"/>
+        </a:xfrm>
+      </p:grpSpPr>
+      <p:sp>
+        <p:nvSpPr>
+          <p:cNvPr id="2" name="スライド イメージ プレースホルダー 1"/>
+          <p:cNvSpPr>
+            <a:spLocks noGrp="1" noRot="1" noChangeAspect="1"/>
+          </p:cNvSpPr>
+          <p:nvPr>
+            <p:ph type="sldImg"/>
+          </p:nvPr>
+        </p:nvSpPr>
+        <p:spPr/>
+      </p:sp>
+      <p:sp>
+        <p:nvSpPr>
+          <p:cNvPr id="3" name="ノート プレースホルダー 2"/>
+          <p:cNvSpPr>
+            <a:spLocks noGrp="1"/>
+          </p:cNvSpPr>
+          <p:nvPr>
+            <p:ph type="body" idx="1"/>
+          </p:nvPr>
+        </p:nvSpPr>
+        <p:spPr/>
+        <p:txBody>
+          <a:bodyPr/>
+          <a:lstStyle/>
+          <a:p>
+            <a:r>
+              <a:rPr kumimoji="1" lang="en-US" altLang="ja-JP" dirty="0" smtClean="0"/>
+              <a:t>※</a:t>
+            </a:r>
+            <a:r>
+              <a:rPr kumimoji="1" lang="ja-JP" altLang="en-US" dirty="0" smtClean="0"/>
+              <a:t>聞いて～</a:t>
+            </a:r>
+            <a:endParaRPr kumimoji="1" lang="ja-JP" altLang="en-US" dirty="0"/>
+          </a:p>
+        </p:txBody>
+      </p:sp>
+      <p:sp>
+        <p:nvSpPr>
+          <p:cNvPr id="4" name="スライド番号プレースホルダー 3"/>
+          <p:cNvSpPr>
+            <a:spLocks noGrp="1"/>
+          </p:cNvSpPr>
+          <p:nvPr>
+            <p:ph type="sldNum" sz="quarter" idx="10"/>
+          </p:nvPr>
+        </p:nvSpPr>
+        <p:spPr/>
+        <p:txBody>
+          <a:bodyPr/>
+          <a:lstStyle/>
+          <a:p>
+            <a:fld id="{E688441C-F395-40D9-A96F-893E81C16D77}" type="slidenum">
+              <a:rPr kumimoji="1" lang="ja-JP" altLang="en-US" smtClean="0"/>
+              <a:t>12</a:t>
+            </a:fld>
+            <a:endParaRPr kumimoji="1" lang="ja-JP" altLang="en-US"/>
+          </a:p>
+        </p:txBody>
+      </p:sp>
+    </p:spTree>
+    <p:extLst>
+      <p:ext uri="{BB962C8B-B14F-4D97-AF65-F5344CB8AC3E}">
+        <p14:creationId xmlns:p14="http://schemas.microsoft.com/office/powerpoint/2010/main" val="1660069649"/>
+      </p:ext>
+    </p:extLst>
+  </p:cSld>
+  <p:clrMapOvr>
+    <a:masterClrMapping/>
+  </p:clrMapOvr>
+</p:notes>
+</file>
+
+<file path=ppt/notesSlides/notesSlide2.xml><?xml version="1.0" encoding="utf-8"?>
+<p:notes xmlns:a="http://schemas.openxmlformats.org/drawingml/2006/main" xmlns:r="http://schemas.openxmlformats.org/officeDocument/2006/relationships" xmlns:p="http://schemas.openxmlformats.org/presentationml/2006/main">
+  <p:cSld>
+    <p:spTree>
+      <p:nvGrpSpPr>
+        <p:cNvPr id="1" name=""/>
+        <p:cNvGrpSpPr/>
+        <p:nvPr/>
+      </p:nvGrpSpPr>
+      <p:grpSpPr>
+        <a:xfrm>
+          <a:off x="0" y="0"/>
+          <a:ext cx="0" cy="0"/>
+          <a:chOff x="0" y="0"/>
+          <a:chExt cx="0" cy="0"/>
+        </a:xfrm>
+      </p:grpSpPr>
+      <p:sp>
+        <p:nvSpPr>
+          <p:cNvPr id="2" name="スライド イメージ プレースホルダー 1"/>
+          <p:cNvSpPr>
+            <a:spLocks noGrp="1" noRot="1" noChangeAspect="1"/>
+          </p:cNvSpPr>
+          <p:nvPr>
+            <p:ph type="sldImg"/>
+          </p:nvPr>
+        </p:nvSpPr>
+        <p:spPr/>
+      </p:sp>
+      <p:sp>
+        <p:nvSpPr>
+          <p:cNvPr id="3" name="ノート プレースホルダー 2"/>
+          <p:cNvSpPr>
+            <a:spLocks noGrp="1"/>
+          </p:cNvSpPr>
+          <p:nvPr>
+            <p:ph type="body" idx="1"/>
+          </p:nvPr>
+        </p:nvSpPr>
+        <p:spPr/>
+        <p:txBody>
+          <a:bodyPr/>
+          <a:lstStyle/>
+          <a:p>
+            <a:r>
+              <a:rPr kumimoji="1" lang="ja-JP" altLang="en-US" dirty="0" smtClean="0"/>
+              <a:t>先ず今回のゲームキャンプのテーマを確認させていただきます。</a:t>
+            </a:r>
+            <a:endParaRPr kumimoji="1" lang="en-US" altLang="ja-JP" dirty="0" smtClean="0"/>
+          </a:p>
+          <a:p>
+            <a:endParaRPr kumimoji="1" lang="en-US" altLang="ja-JP" dirty="0" smtClean="0"/>
+          </a:p>
+          <a:p>
+            <a:r>
+              <a:rPr kumimoji="1" lang="ja-JP" altLang="en-US" dirty="0" smtClean="0"/>
+              <a:t>今回のテーマは、きる</a:t>
+            </a:r>
+            <a:endParaRPr kumimoji="1" lang="en-US" altLang="ja-JP" dirty="0" smtClean="0"/>
+          </a:p>
+          <a:p>
+            <a:endParaRPr kumimoji="1" lang="en-US" altLang="ja-JP" dirty="0" smtClean="0"/>
+          </a:p>
+          <a:p>
+            <a:r>
+              <a:rPr kumimoji="1" lang="ja-JP" altLang="en-US" dirty="0" smtClean="0"/>
+              <a:t>こちらのテーマで私達はゲーム制作を行っていきました。</a:t>
+            </a:r>
+            <a:endParaRPr kumimoji="1" lang="en-US" altLang="ja-JP" dirty="0" smtClean="0"/>
+          </a:p>
+          <a:p>
+            <a:endParaRPr kumimoji="1" lang="en-US" altLang="ja-JP" dirty="0" smtClean="0"/>
+          </a:p>
+          <a:p>
+            <a:endParaRPr kumimoji="1" lang="ja-JP" altLang="en-US" dirty="0"/>
+          </a:p>
+        </p:txBody>
+      </p:sp>
+      <p:sp>
+        <p:nvSpPr>
+          <p:cNvPr id="4" name="スライド番号プレースホルダー 3"/>
+          <p:cNvSpPr>
+            <a:spLocks noGrp="1"/>
+          </p:cNvSpPr>
+          <p:nvPr>
+            <p:ph type="sldNum" sz="quarter" idx="10"/>
+          </p:nvPr>
+        </p:nvSpPr>
+        <p:spPr/>
+        <p:txBody>
+          <a:bodyPr/>
+          <a:lstStyle/>
+          <a:p>
+            <a:fld id="{E688441C-F395-40D9-A96F-893E81C16D77}" type="slidenum">
+              <a:rPr kumimoji="1" lang="ja-JP" altLang="en-US" smtClean="0"/>
+              <a:t>2</a:t>
+            </a:fld>
+            <a:endParaRPr kumimoji="1" lang="ja-JP" altLang="en-US"/>
+          </a:p>
+        </p:txBody>
+      </p:sp>
+    </p:spTree>
+    <p:extLst>
+      <p:ext uri="{BB962C8B-B14F-4D97-AF65-F5344CB8AC3E}">
+        <p14:creationId xmlns:p14="http://schemas.microsoft.com/office/powerpoint/2010/main" val="1878369797"/>
+      </p:ext>
+    </p:extLst>
+  </p:cSld>
+  <p:clrMapOvr>
+    <a:masterClrMapping/>
+  </p:clrMapOvr>
+</p:notes>
+</file>
+
+<file path=ppt/notesSlides/notesSlide3.xml><?xml version="1.0" encoding="utf-8"?>
+<p:notes xmlns:a="http://schemas.openxmlformats.org/drawingml/2006/main" xmlns:r="http://schemas.openxmlformats.org/officeDocument/2006/relationships" xmlns:p="http://schemas.openxmlformats.org/presentationml/2006/main">
+  <p:cSld>
+    <p:spTree>
+      <p:nvGrpSpPr>
+        <p:cNvPr id="1" name=""/>
+        <p:cNvGrpSpPr/>
+        <p:nvPr/>
+      </p:nvGrpSpPr>
+      <p:grpSpPr>
+        <a:xfrm>
+          <a:off x="0" y="0"/>
+          <a:ext cx="0" cy="0"/>
+          <a:chOff x="0" y="0"/>
+          <a:chExt cx="0" cy="0"/>
+        </a:xfrm>
+      </p:grpSpPr>
+      <p:sp>
+        <p:nvSpPr>
+          <p:cNvPr id="2" name="スライド イメージ プレースホルダー 1"/>
+          <p:cNvSpPr>
+            <a:spLocks noGrp="1" noRot="1" noChangeAspect="1"/>
+          </p:cNvSpPr>
+          <p:nvPr>
+            <p:ph type="sldImg"/>
+          </p:nvPr>
+        </p:nvSpPr>
+        <p:spPr/>
+      </p:sp>
+      <p:sp>
+        <p:nvSpPr>
+          <p:cNvPr id="3" name="ノート プレースホルダー 2"/>
+          <p:cNvSpPr>
+            <a:spLocks noGrp="1"/>
+          </p:cNvSpPr>
+          <p:nvPr>
+            <p:ph type="body" idx="1"/>
+          </p:nvPr>
+        </p:nvSpPr>
+        <p:spPr/>
+        <p:txBody>
+          <a:bodyPr/>
+          <a:lstStyle/>
+          <a:p>
+            <a:r>
+              <a:rPr kumimoji="1" lang="ja-JP" altLang="en-US" dirty="0" smtClean="0"/>
+              <a:t>今回の制作の企画意図です。</a:t>
+            </a:r>
+            <a:endParaRPr kumimoji="1" lang="en-US" altLang="ja-JP" dirty="0" smtClean="0"/>
+          </a:p>
+          <a:p>
+            <a:endParaRPr kumimoji="1" lang="en-US" altLang="ja-JP" dirty="0" smtClean="0"/>
+          </a:p>
+          <a:p>
+            <a:r>
+              <a:rPr kumimoji="1" lang="ja-JP" altLang="en-US" dirty="0" smtClean="0"/>
+              <a:t>テーマのきるという言葉から私たちは切断するなどの意味の切るという漢字を連想しました。</a:t>
+            </a:r>
+            <a:endParaRPr kumimoji="1" lang="en-US" altLang="ja-JP" dirty="0" smtClean="0"/>
+          </a:p>
+          <a:p>
+            <a:endParaRPr kumimoji="1" lang="en-US" altLang="ja-JP" dirty="0" smtClean="0"/>
+          </a:p>
+          <a:p>
+            <a:r>
+              <a:rPr kumimoji="1" lang="ja-JP" altLang="en-US" dirty="0" smtClean="0"/>
+              <a:t>そして、この「切る」という漢字は物を切るという意味以外にも</a:t>
+            </a:r>
+            <a:endParaRPr kumimoji="1" lang="en-US" altLang="ja-JP" dirty="0" smtClean="0"/>
+          </a:p>
+          <a:p>
+            <a:endParaRPr kumimoji="1" lang="en-US" altLang="ja-JP" dirty="0" smtClean="0"/>
+          </a:p>
+          <a:p>
+            <a:r>
+              <a:rPr kumimoji="1" lang="ja-JP" altLang="en-US" dirty="0" smtClean="0"/>
+              <a:t>「一つの行動をやり切る」や「手持ちのアイテムを使い切る」など</a:t>
+            </a:r>
+            <a:endParaRPr kumimoji="1" lang="en-US" altLang="ja-JP" dirty="0" smtClean="0"/>
+          </a:p>
+          <a:p>
+            <a:endParaRPr kumimoji="1" lang="en-US" altLang="ja-JP" dirty="0" smtClean="0"/>
+          </a:p>
+          <a:p>
+            <a:r>
+              <a:rPr kumimoji="1" lang="ja-JP" altLang="en-US" dirty="0" smtClean="0"/>
+              <a:t>複数の意味を持っています。</a:t>
+            </a:r>
+            <a:endParaRPr kumimoji="1" lang="en-US" altLang="ja-JP" dirty="0" smtClean="0"/>
+          </a:p>
+          <a:p>
+            <a:endParaRPr kumimoji="1" lang="en-US" altLang="ja-JP" dirty="0" smtClean="0"/>
+          </a:p>
+          <a:p>
+            <a:r>
+              <a:rPr kumimoji="1" lang="ja-JP" altLang="en-US" dirty="0" smtClean="0"/>
+              <a:t>そこから私たちは今回のゲームでこの切るという漢字のように</a:t>
+            </a:r>
+            <a:endParaRPr kumimoji="1" lang="en-US" altLang="ja-JP" dirty="0" smtClean="0"/>
+          </a:p>
+          <a:p>
+            <a:endParaRPr kumimoji="1" lang="en-US" altLang="ja-JP" dirty="0" smtClean="0"/>
+          </a:p>
+          <a:p>
+            <a:r>
+              <a:rPr kumimoji="1" lang="ja-JP" altLang="en-US" dirty="0" smtClean="0"/>
+              <a:t>一つの動作で複数の反応を得られるようなゲームを作りたいと思いました。</a:t>
+            </a:r>
+            <a:endParaRPr kumimoji="1" lang="en-US" altLang="ja-JP" dirty="0" smtClean="0"/>
+          </a:p>
+          <a:p>
+            <a:endParaRPr kumimoji="1" lang="en-US" altLang="ja-JP" dirty="0" smtClean="0"/>
+          </a:p>
+          <a:p>
+            <a:endParaRPr kumimoji="1" lang="en-US" altLang="ja-JP" dirty="0" smtClean="0"/>
+          </a:p>
+        </p:txBody>
+      </p:sp>
+      <p:sp>
+        <p:nvSpPr>
+          <p:cNvPr id="4" name="スライド番号プレースホルダー 3"/>
+          <p:cNvSpPr>
+            <a:spLocks noGrp="1"/>
+          </p:cNvSpPr>
+          <p:nvPr>
+            <p:ph type="sldNum" sz="quarter" idx="10"/>
+          </p:nvPr>
+        </p:nvSpPr>
+        <p:spPr/>
+        <p:txBody>
+          <a:bodyPr/>
+          <a:lstStyle/>
+          <a:p>
+            <a:fld id="{E688441C-F395-40D9-A96F-893E81C16D77}" type="slidenum">
+              <a:rPr kumimoji="1" lang="ja-JP" altLang="en-US" smtClean="0"/>
+              <a:t>3</a:t>
+            </a:fld>
+            <a:endParaRPr kumimoji="1" lang="ja-JP" altLang="en-US"/>
+          </a:p>
+        </p:txBody>
+      </p:sp>
+    </p:spTree>
+    <p:extLst>
+      <p:ext uri="{BB962C8B-B14F-4D97-AF65-F5344CB8AC3E}">
+        <p14:creationId xmlns:p14="http://schemas.microsoft.com/office/powerpoint/2010/main" val="2836800278"/>
+      </p:ext>
+    </p:extLst>
+  </p:cSld>
+  <p:clrMapOvr>
+    <a:masterClrMapping/>
+  </p:clrMapOvr>
+</p:notes>
+</file>
+
+<file path=ppt/notesSlides/notesSlide4.xml><?xml version="1.0" encoding="utf-8"?>
+<p:notes xmlns:a="http://schemas.openxmlformats.org/drawingml/2006/main" xmlns:r="http://schemas.openxmlformats.org/officeDocument/2006/relationships" xmlns:p="http://schemas.openxmlformats.org/presentationml/2006/main">
+  <p:cSld>
+    <p:spTree>
+      <p:nvGrpSpPr>
+        <p:cNvPr id="1" name=""/>
+        <p:cNvGrpSpPr/>
+        <p:nvPr/>
+      </p:nvGrpSpPr>
+      <p:grpSpPr>
+        <a:xfrm>
+          <a:off x="0" y="0"/>
+          <a:ext cx="0" cy="0"/>
+          <a:chOff x="0" y="0"/>
+          <a:chExt cx="0" cy="0"/>
+        </a:xfrm>
+      </p:grpSpPr>
+      <p:sp>
+        <p:nvSpPr>
+          <p:cNvPr id="2" name="スライド イメージ プレースホルダー 1"/>
+          <p:cNvSpPr>
+            <a:spLocks noGrp="1" noRot="1" noChangeAspect="1"/>
+          </p:cNvSpPr>
+          <p:nvPr>
+            <p:ph type="sldImg"/>
+          </p:nvPr>
+        </p:nvSpPr>
+        <p:spPr/>
+      </p:sp>
+      <p:sp>
+        <p:nvSpPr>
+          <p:cNvPr id="3" name="ノート プレースホルダー 2"/>
+          <p:cNvSpPr>
+            <a:spLocks noGrp="1"/>
+          </p:cNvSpPr>
+          <p:nvPr>
+            <p:ph type="body" idx="1"/>
+          </p:nvPr>
+        </p:nvSpPr>
+        <p:spPr/>
+        <p:txBody>
+          <a:bodyPr/>
+          <a:lstStyle/>
+          <a:p>
+            <a:r>
+              <a:rPr kumimoji="1" lang="ja-JP" altLang="en-US" dirty="0" smtClean="0"/>
+              <a:t>今回のゲーム制作のコンセプトは</a:t>
+            </a:r>
+            <a:endParaRPr kumimoji="1" lang="en-US" altLang="ja-JP" dirty="0" smtClean="0"/>
+          </a:p>
+          <a:p>
+            <a:endParaRPr kumimoji="1" lang="en-US" altLang="ja-JP" dirty="0" smtClean="0"/>
+          </a:p>
+          <a:p>
+            <a:r>
+              <a:rPr kumimoji="1" lang="ja-JP" altLang="en-US" dirty="0" smtClean="0"/>
+              <a:t>書いてある通りなんですが、</a:t>
+            </a:r>
+            <a:endParaRPr kumimoji="1" lang="en-US" altLang="ja-JP" dirty="0" smtClean="0"/>
+          </a:p>
+          <a:p>
+            <a:endParaRPr kumimoji="1" lang="en-US" altLang="ja-JP" dirty="0" smtClean="0"/>
+          </a:p>
+          <a:p>
+            <a:r>
+              <a:rPr kumimoji="1" lang="ja-JP" altLang="en-US" dirty="0" smtClean="0"/>
+              <a:t>切るという一つの動作で様々な障害物を切った時の反応をプレイヤーに楽しんでもらうことです！</a:t>
+            </a:r>
+            <a:endParaRPr kumimoji="1" lang="en-US" altLang="ja-JP" dirty="0" smtClean="0"/>
+          </a:p>
+          <a:p>
+            <a:endParaRPr kumimoji="1" lang="en-US" altLang="ja-JP" dirty="0" smtClean="0"/>
+          </a:p>
+          <a:p>
+            <a:r>
+              <a:rPr kumimoji="1" lang="ja-JP" altLang="en-US" dirty="0" smtClean="0"/>
+              <a:t>ターゲット層は</a:t>
+            </a:r>
+            <a:endParaRPr kumimoji="1" lang="en-US" altLang="ja-JP" dirty="0" smtClean="0"/>
+          </a:p>
+          <a:p>
+            <a:endParaRPr kumimoji="1" lang="en-US" altLang="ja-JP" dirty="0" smtClean="0"/>
+          </a:p>
+          <a:p>
+            <a:r>
+              <a:rPr kumimoji="1" lang="en-US" altLang="ja-JP" dirty="0" smtClean="0"/>
+              <a:t>10</a:t>
+            </a:r>
+            <a:r>
+              <a:rPr kumimoji="1" lang="ja-JP" altLang="en-US" dirty="0" smtClean="0"/>
+              <a:t>代前半からはたち頃までのアクションが好きな男性です。</a:t>
+            </a:r>
+            <a:endParaRPr kumimoji="1" lang="ja-JP" altLang="en-US" dirty="0"/>
+          </a:p>
+        </p:txBody>
+      </p:sp>
+      <p:sp>
+        <p:nvSpPr>
+          <p:cNvPr id="4" name="スライド番号プレースホルダー 3"/>
+          <p:cNvSpPr>
+            <a:spLocks noGrp="1"/>
+          </p:cNvSpPr>
+          <p:nvPr>
+            <p:ph type="sldNum" sz="quarter" idx="10"/>
+          </p:nvPr>
+        </p:nvSpPr>
+        <p:spPr/>
+        <p:txBody>
+          <a:bodyPr/>
+          <a:lstStyle/>
+          <a:p>
+            <a:fld id="{E688441C-F395-40D9-A96F-893E81C16D77}" type="slidenum">
+              <a:rPr kumimoji="1" lang="ja-JP" altLang="en-US" smtClean="0"/>
+              <a:t>4</a:t>
+            </a:fld>
+            <a:endParaRPr kumimoji="1" lang="ja-JP" altLang="en-US"/>
+          </a:p>
+        </p:txBody>
+      </p:sp>
+    </p:spTree>
+    <p:extLst>
+      <p:ext uri="{BB962C8B-B14F-4D97-AF65-F5344CB8AC3E}">
+        <p14:creationId xmlns:p14="http://schemas.microsoft.com/office/powerpoint/2010/main" val="318444482"/>
+      </p:ext>
+    </p:extLst>
+  </p:cSld>
+  <p:clrMapOvr>
+    <a:masterClrMapping/>
+  </p:clrMapOvr>
+</p:notes>
+</file>
+
+<file path=ppt/notesSlides/notesSlide5.xml><?xml version="1.0" encoding="utf-8"?>
+<p:notes xmlns:a="http://schemas.openxmlformats.org/drawingml/2006/main" xmlns:r="http://schemas.openxmlformats.org/officeDocument/2006/relationships" xmlns:p="http://schemas.openxmlformats.org/presentationml/2006/main">
+  <p:cSld>
+    <p:spTree>
+      <p:nvGrpSpPr>
+        <p:cNvPr id="1" name=""/>
+        <p:cNvGrpSpPr/>
+        <p:nvPr/>
+      </p:nvGrpSpPr>
+      <p:grpSpPr>
+        <a:xfrm>
+          <a:off x="0" y="0"/>
+          <a:ext cx="0" cy="0"/>
+          <a:chOff x="0" y="0"/>
+          <a:chExt cx="0" cy="0"/>
+        </a:xfrm>
+      </p:grpSpPr>
+      <p:sp>
+        <p:nvSpPr>
+          <p:cNvPr id="2" name="スライド イメージ プレースホルダー 1"/>
+          <p:cNvSpPr>
+            <a:spLocks noGrp="1" noRot="1" noChangeAspect="1"/>
+          </p:cNvSpPr>
+          <p:nvPr>
+            <p:ph type="sldImg"/>
+          </p:nvPr>
+        </p:nvSpPr>
+        <p:spPr/>
+      </p:sp>
+      <p:sp>
+        <p:nvSpPr>
+          <p:cNvPr id="3" name="ノート プレースホルダー 2"/>
+          <p:cNvSpPr>
+            <a:spLocks noGrp="1"/>
+          </p:cNvSpPr>
+          <p:nvPr>
+            <p:ph type="body" idx="1"/>
+          </p:nvPr>
+        </p:nvSpPr>
+        <p:spPr/>
+        <p:txBody>
+          <a:bodyPr/>
+          <a:lstStyle/>
+          <a:p>
+            <a:r>
+              <a:rPr kumimoji="1" lang="ja-JP" altLang="en-US" dirty="0" smtClean="0"/>
+              <a:t>開発環境はこちらを使いました。</a:t>
+            </a:r>
+            <a:endParaRPr kumimoji="1" lang="ja-JP" altLang="en-US" dirty="0"/>
+          </a:p>
+        </p:txBody>
+      </p:sp>
+      <p:sp>
+        <p:nvSpPr>
+          <p:cNvPr id="4" name="スライド番号プレースホルダー 3"/>
+          <p:cNvSpPr>
+            <a:spLocks noGrp="1"/>
+          </p:cNvSpPr>
+          <p:nvPr>
+            <p:ph type="sldNum" sz="quarter" idx="10"/>
+          </p:nvPr>
+        </p:nvSpPr>
+        <p:spPr/>
+        <p:txBody>
+          <a:bodyPr/>
+          <a:lstStyle/>
+          <a:p>
+            <a:fld id="{E688441C-F395-40D9-A96F-893E81C16D77}" type="slidenum">
+              <a:rPr kumimoji="1" lang="ja-JP" altLang="en-US" smtClean="0"/>
+              <a:t>5</a:t>
+            </a:fld>
+            <a:endParaRPr kumimoji="1" lang="ja-JP" altLang="en-US"/>
+          </a:p>
+        </p:txBody>
+      </p:sp>
+    </p:spTree>
+    <p:extLst>
+      <p:ext uri="{BB962C8B-B14F-4D97-AF65-F5344CB8AC3E}">
+        <p14:creationId xmlns:p14="http://schemas.microsoft.com/office/powerpoint/2010/main" val="3082311267"/>
+      </p:ext>
+    </p:extLst>
+  </p:cSld>
+  <p:clrMapOvr>
+    <a:masterClrMapping/>
+  </p:clrMapOvr>
+</p:notes>
+</file>
+
+<file path=ppt/notesSlides/notesSlide6.xml><?xml version="1.0" encoding="utf-8"?>
+<p:notes xmlns:a="http://schemas.openxmlformats.org/drawingml/2006/main" xmlns:r="http://schemas.openxmlformats.org/officeDocument/2006/relationships" xmlns:p="http://schemas.openxmlformats.org/presentationml/2006/main">
+  <p:cSld>
+    <p:spTree>
+      <p:nvGrpSpPr>
+        <p:cNvPr id="1" name=""/>
+        <p:cNvGrpSpPr/>
+        <p:nvPr/>
+      </p:nvGrpSpPr>
+      <p:grpSpPr>
+        <a:xfrm>
+          <a:off x="0" y="0"/>
+          <a:ext cx="0" cy="0"/>
+          <a:chOff x="0" y="0"/>
+          <a:chExt cx="0" cy="0"/>
+        </a:xfrm>
+      </p:grpSpPr>
+      <p:sp>
+        <p:nvSpPr>
+          <p:cNvPr id="2" name="スライド イメージ プレースホルダー 1"/>
+          <p:cNvSpPr>
+            <a:spLocks noGrp="1" noRot="1" noChangeAspect="1"/>
+          </p:cNvSpPr>
+          <p:nvPr>
+            <p:ph type="sldImg"/>
+          </p:nvPr>
+        </p:nvSpPr>
+        <p:spPr/>
+      </p:sp>
+      <p:sp>
+        <p:nvSpPr>
+          <p:cNvPr id="3" name="ノート プレースホルダー 2"/>
+          <p:cNvSpPr>
+            <a:spLocks noGrp="1"/>
+          </p:cNvSpPr>
+          <p:nvPr>
+            <p:ph type="body" idx="1"/>
+          </p:nvPr>
+        </p:nvSpPr>
+        <p:spPr/>
+        <p:txBody>
+          <a:bodyPr/>
+          <a:lstStyle/>
+          <a:p>
+            <a:r>
+              <a:rPr kumimoji="1" lang="en-US" altLang="ja-JP" dirty="0" smtClean="0"/>
+              <a:t>※</a:t>
+            </a:r>
+            <a:r>
+              <a:rPr kumimoji="1" lang="ja-JP" altLang="en-US" dirty="0" smtClean="0"/>
+              <a:t>画面にあるゲームのルールを読み上げる</a:t>
+            </a:r>
+            <a:endParaRPr kumimoji="1" lang="ja-JP" altLang="en-US" dirty="0"/>
+          </a:p>
+        </p:txBody>
+      </p:sp>
+      <p:sp>
+        <p:nvSpPr>
+          <p:cNvPr id="4" name="スライド番号プレースホルダー 3"/>
+          <p:cNvSpPr>
+            <a:spLocks noGrp="1"/>
+          </p:cNvSpPr>
+          <p:nvPr>
+            <p:ph type="sldNum" sz="quarter" idx="10"/>
+          </p:nvPr>
+        </p:nvSpPr>
+        <p:spPr/>
+        <p:txBody>
+          <a:bodyPr/>
+          <a:lstStyle/>
+          <a:p>
+            <a:fld id="{E688441C-F395-40D9-A96F-893E81C16D77}" type="slidenum">
+              <a:rPr kumimoji="1" lang="ja-JP" altLang="en-US" smtClean="0"/>
+              <a:t>6</a:t>
+            </a:fld>
+            <a:endParaRPr kumimoji="1" lang="ja-JP" altLang="en-US"/>
+          </a:p>
+        </p:txBody>
+      </p:sp>
+    </p:spTree>
+    <p:extLst>
+      <p:ext uri="{BB962C8B-B14F-4D97-AF65-F5344CB8AC3E}">
+        <p14:creationId xmlns:p14="http://schemas.microsoft.com/office/powerpoint/2010/main" val="162525194"/>
+      </p:ext>
+    </p:extLst>
+  </p:cSld>
+  <p:clrMapOvr>
+    <a:masterClrMapping/>
+  </p:clrMapOvr>
+</p:notes>
+</file>
+
+<file path=ppt/notesSlides/notesSlide7.xml><?xml version="1.0" encoding="utf-8"?>
+<p:notes xmlns:a="http://schemas.openxmlformats.org/drawingml/2006/main" xmlns:r="http://schemas.openxmlformats.org/officeDocument/2006/relationships" xmlns:p="http://schemas.openxmlformats.org/presentationml/2006/main">
+  <p:cSld>
+    <p:spTree>
+      <p:nvGrpSpPr>
+        <p:cNvPr id="1" name=""/>
+        <p:cNvGrpSpPr/>
+        <p:nvPr/>
+      </p:nvGrpSpPr>
+      <p:grpSpPr>
+        <a:xfrm>
+          <a:off x="0" y="0"/>
+          <a:ext cx="0" cy="0"/>
+          <a:chOff x="0" y="0"/>
+          <a:chExt cx="0" cy="0"/>
+        </a:xfrm>
+      </p:grpSpPr>
+      <p:sp>
+        <p:nvSpPr>
+          <p:cNvPr id="2" name="スライド イメージ プレースホルダー 1"/>
+          <p:cNvSpPr>
+            <a:spLocks noGrp="1" noRot="1" noChangeAspect="1"/>
+          </p:cNvSpPr>
+          <p:nvPr>
+            <p:ph type="sldImg"/>
+          </p:nvPr>
+        </p:nvSpPr>
+        <p:spPr/>
+      </p:sp>
+      <p:sp>
+        <p:nvSpPr>
+          <p:cNvPr id="3" name="ノート プレースホルダー 2"/>
+          <p:cNvSpPr>
+            <a:spLocks noGrp="1"/>
+          </p:cNvSpPr>
+          <p:nvPr>
+            <p:ph type="body" idx="1"/>
+          </p:nvPr>
+        </p:nvSpPr>
+        <p:spPr/>
+        <p:txBody>
+          <a:bodyPr/>
+          <a:lstStyle/>
+          <a:p>
+            <a:r>
+              <a:rPr kumimoji="1" lang="ja-JP" altLang="en-US" dirty="0" smtClean="0"/>
+              <a:t>画面イメージの説明を上からさせていただきますと、</a:t>
+            </a:r>
+            <a:endParaRPr kumimoji="1" lang="en-US" altLang="ja-JP" dirty="0" smtClean="0"/>
+          </a:p>
+          <a:p>
+            <a:endParaRPr kumimoji="1" lang="en-US" altLang="ja-JP" dirty="0" smtClean="0"/>
+          </a:p>
+          <a:p>
+            <a:r>
+              <a:rPr kumimoji="1" lang="en-US" altLang="ja-JP" dirty="0" smtClean="0"/>
+              <a:t>※</a:t>
+            </a:r>
+            <a:r>
+              <a:rPr kumimoji="1" lang="ja-JP" altLang="en-US" dirty="0" smtClean="0"/>
+              <a:t>クリックしながらそれぞれの説明をする</a:t>
+            </a:r>
+            <a:endParaRPr kumimoji="1" lang="en-US" altLang="ja-JP" dirty="0" smtClean="0"/>
+          </a:p>
+          <a:p>
+            <a:endParaRPr kumimoji="1" lang="en-US" altLang="ja-JP" dirty="0" smtClean="0"/>
+          </a:p>
+          <a:p>
+            <a:r>
+              <a:rPr kumimoji="1" lang="en-US" altLang="ja-JP" dirty="0" smtClean="0"/>
+              <a:t>※</a:t>
+            </a:r>
+            <a:r>
+              <a:rPr kumimoji="1" lang="ja-JP" altLang="en-US" dirty="0" smtClean="0"/>
+              <a:t>最後に障害物を割るエフェクトを表示させて</a:t>
+            </a:r>
+            <a:endParaRPr kumimoji="1" lang="en-US" altLang="ja-JP" dirty="0" smtClean="0"/>
+          </a:p>
+          <a:p>
+            <a:endParaRPr kumimoji="1" lang="en-US" altLang="ja-JP" dirty="0" smtClean="0"/>
+          </a:p>
+          <a:p>
+            <a:r>
+              <a:rPr kumimoji="1" lang="en-US" altLang="ja-JP" dirty="0" smtClean="0"/>
+              <a:t>※</a:t>
+            </a:r>
+            <a:r>
+              <a:rPr kumimoji="1" lang="ja-JP" altLang="en-US" dirty="0" smtClean="0"/>
+              <a:t>こういった風に切ってもらいたいんですよ～って</a:t>
+            </a:r>
+            <a:endParaRPr kumimoji="1" lang="en-US" altLang="ja-JP" dirty="0" smtClean="0"/>
+          </a:p>
+        </p:txBody>
+      </p:sp>
+      <p:sp>
+        <p:nvSpPr>
+          <p:cNvPr id="4" name="スライド番号プレースホルダー 3"/>
+          <p:cNvSpPr>
+            <a:spLocks noGrp="1"/>
+          </p:cNvSpPr>
+          <p:nvPr>
+            <p:ph type="sldNum" sz="quarter" idx="10"/>
+          </p:nvPr>
+        </p:nvSpPr>
+        <p:spPr/>
+        <p:txBody>
+          <a:bodyPr/>
+          <a:lstStyle/>
+          <a:p>
+            <a:fld id="{E688441C-F395-40D9-A96F-893E81C16D77}" type="slidenum">
+              <a:rPr kumimoji="1" lang="ja-JP" altLang="en-US" smtClean="0"/>
+              <a:t>7</a:t>
+            </a:fld>
+            <a:endParaRPr kumimoji="1" lang="ja-JP" altLang="en-US"/>
+          </a:p>
+        </p:txBody>
+      </p:sp>
+    </p:spTree>
+    <p:extLst>
+      <p:ext uri="{BB962C8B-B14F-4D97-AF65-F5344CB8AC3E}">
+        <p14:creationId xmlns:p14="http://schemas.microsoft.com/office/powerpoint/2010/main" val="227210304"/>
+      </p:ext>
+    </p:extLst>
+  </p:cSld>
+  <p:clrMapOvr>
+    <a:masterClrMapping/>
+  </p:clrMapOvr>
+</p:notes>
+</file>
+
+<file path=ppt/notesSlides/notesSlide8.xml><?xml version="1.0" encoding="utf-8"?>
+<p:notes xmlns:a="http://schemas.openxmlformats.org/drawingml/2006/main" xmlns:r="http://schemas.openxmlformats.org/officeDocument/2006/relationships" xmlns:p="http://schemas.openxmlformats.org/presentationml/2006/main">
+  <p:cSld>
+    <p:spTree>
+      <p:nvGrpSpPr>
+        <p:cNvPr id="1" name=""/>
+        <p:cNvGrpSpPr/>
+        <p:nvPr/>
+      </p:nvGrpSpPr>
+      <p:grpSpPr>
+        <a:xfrm>
+          <a:off x="0" y="0"/>
+          <a:ext cx="0" cy="0"/>
+          <a:chOff x="0" y="0"/>
+          <a:chExt cx="0" cy="0"/>
+        </a:xfrm>
+      </p:grpSpPr>
+      <p:sp>
+        <p:nvSpPr>
+          <p:cNvPr id="2" name="スライド イメージ プレースホルダー 1"/>
+          <p:cNvSpPr>
+            <a:spLocks noGrp="1" noRot="1" noChangeAspect="1"/>
+          </p:cNvSpPr>
+          <p:nvPr>
+            <p:ph type="sldImg"/>
+          </p:nvPr>
+        </p:nvSpPr>
+        <p:spPr/>
+      </p:sp>
+      <p:sp>
+        <p:nvSpPr>
+          <p:cNvPr id="3" name="ノート プレースホルダー 2"/>
+          <p:cNvSpPr>
+            <a:spLocks noGrp="1"/>
+          </p:cNvSpPr>
+          <p:nvPr>
+            <p:ph type="body" idx="1"/>
+          </p:nvPr>
+        </p:nvSpPr>
+        <p:spPr/>
+        <p:txBody>
+          <a:bodyPr/>
+          <a:lstStyle/>
+          <a:p>
+            <a:r>
+              <a:rPr kumimoji="1" lang="ja-JP" altLang="en-US" dirty="0" smtClean="0"/>
+              <a:t>今回のゲームの盛り上がる場面として</a:t>
+            </a:r>
+            <a:endParaRPr kumimoji="1" lang="en-US" altLang="ja-JP" dirty="0" smtClean="0"/>
+          </a:p>
+          <a:p>
+            <a:endParaRPr kumimoji="1" lang="en-US" altLang="ja-JP" dirty="0" smtClean="0"/>
+          </a:p>
+          <a:p>
+            <a:r>
+              <a:rPr kumimoji="1" lang="en-US" altLang="ja-JP" dirty="0" smtClean="0"/>
+              <a:t>※2</a:t>
+            </a:r>
+            <a:r>
+              <a:rPr kumimoji="1" lang="ja-JP" altLang="en-US" dirty="0" smtClean="0"/>
+              <a:t>個をしゃべって</a:t>
+            </a:r>
+            <a:endParaRPr kumimoji="1" lang="en-US" altLang="ja-JP" dirty="0" smtClean="0"/>
+          </a:p>
+          <a:p>
+            <a:endParaRPr kumimoji="1" lang="en-US" altLang="ja-JP" dirty="0" smtClean="0"/>
+          </a:p>
+          <a:p>
+            <a:r>
+              <a:rPr kumimoji="1" lang="ja-JP" altLang="en-US" dirty="0" smtClean="0"/>
+              <a:t>です！</a:t>
+            </a:r>
+            <a:endParaRPr kumimoji="1" lang="ja-JP" altLang="en-US" dirty="0"/>
+          </a:p>
+        </p:txBody>
+      </p:sp>
+      <p:sp>
+        <p:nvSpPr>
+          <p:cNvPr id="4" name="スライド番号プレースホルダー 3"/>
+          <p:cNvSpPr>
+            <a:spLocks noGrp="1"/>
+          </p:cNvSpPr>
+          <p:nvPr>
+            <p:ph type="sldNum" sz="quarter" idx="10"/>
+          </p:nvPr>
+        </p:nvSpPr>
+        <p:spPr/>
+        <p:txBody>
+          <a:bodyPr/>
+          <a:lstStyle/>
+          <a:p>
+            <a:fld id="{E688441C-F395-40D9-A96F-893E81C16D77}" type="slidenum">
+              <a:rPr kumimoji="1" lang="ja-JP" altLang="en-US" smtClean="0"/>
+              <a:t>8</a:t>
+            </a:fld>
+            <a:endParaRPr kumimoji="1" lang="ja-JP" altLang="en-US"/>
+          </a:p>
+        </p:txBody>
+      </p:sp>
+    </p:spTree>
+    <p:extLst>
+      <p:ext uri="{BB962C8B-B14F-4D97-AF65-F5344CB8AC3E}">
+        <p14:creationId xmlns:p14="http://schemas.microsoft.com/office/powerpoint/2010/main" val="91692020"/>
+      </p:ext>
+    </p:extLst>
+  </p:cSld>
+  <p:clrMapOvr>
+    <a:masterClrMapping/>
+  </p:clrMapOvr>
+</p:notes>
+</file>
+
+<file path=ppt/notesSlides/notesSlide9.xml><?xml version="1.0" encoding="utf-8"?>
+<p:notes xmlns:a="http://schemas.openxmlformats.org/drawingml/2006/main" xmlns:r="http://schemas.openxmlformats.org/officeDocument/2006/relationships" xmlns:p="http://schemas.openxmlformats.org/presentationml/2006/main">
+  <p:cSld>
+    <p:spTree>
+      <p:nvGrpSpPr>
+        <p:cNvPr id="1" name=""/>
+        <p:cNvGrpSpPr/>
+        <p:nvPr/>
+      </p:nvGrpSpPr>
+      <p:grpSpPr>
+        <a:xfrm>
+          <a:off x="0" y="0"/>
+          <a:ext cx="0" cy="0"/>
+          <a:chOff x="0" y="0"/>
+          <a:chExt cx="0" cy="0"/>
+        </a:xfrm>
+      </p:grpSpPr>
+      <p:sp>
+        <p:nvSpPr>
+          <p:cNvPr id="2" name="スライド イメージ プレースホルダー 1"/>
+          <p:cNvSpPr>
+            <a:spLocks noGrp="1" noRot="1" noChangeAspect="1"/>
+          </p:cNvSpPr>
+          <p:nvPr>
+            <p:ph type="sldImg"/>
+          </p:nvPr>
+        </p:nvSpPr>
+        <p:spPr/>
+      </p:sp>
+      <p:sp>
+        <p:nvSpPr>
+          <p:cNvPr id="3" name="ノート プレースホルダー 2"/>
+          <p:cNvSpPr>
+            <a:spLocks noGrp="1"/>
+          </p:cNvSpPr>
+          <p:nvPr>
+            <p:ph type="body" idx="1"/>
+          </p:nvPr>
+        </p:nvSpPr>
+        <p:spPr/>
+        <p:txBody>
+          <a:bodyPr/>
+          <a:lstStyle/>
+          <a:p>
+            <a:r>
+              <a:rPr kumimoji="1" lang="ja-JP" altLang="en-US" dirty="0" smtClean="0"/>
+              <a:t>こだわった点は</a:t>
+            </a:r>
+            <a:endParaRPr kumimoji="1" lang="en-US" altLang="ja-JP" dirty="0" smtClean="0"/>
+          </a:p>
+          <a:p>
+            <a:endParaRPr kumimoji="1" lang="en-US" altLang="ja-JP" dirty="0" smtClean="0"/>
+          </a:p>
+          <a:p>
+            <a:r>
+              <a:rPr kumimoji="1" lang="en-US" altLang="ja-JP" dirty="0" smtClean="0"/>
+              <a:t>※</a:t>
+            </a:r>
+            <a:r>
+              <a:rPr kumimoji="1" lang="ja-JP" altLang="en-US" dirty="0" smtClean="0"/>
+              <a:t>画面の</a:t>
+            </a:r>
+            <a:r>
+              <a:rPr kumimoji="1" lang="en-US" altLang="ja-JP" dirty="0" smtClean="0"/>
+              <a:t>3</a:t>
+            </a:r>
+            <a:r>
+              <a:rPr kumimoji="1" lang="ja-JP" altLang="en-US" dirty="0" err="1" smtClean="0"/>
+              <a:t>つを</a:t>
+            </a:r>
+            <a:r>
+              <a:rPr kumimoji="1" lang="ja-JP" altLang="en-US" dirty="0" smtClean="0"/>
+              <a:t>しゃべる</a:t>
+            </a:r>
+            <a:endParaRPr kumimoji="1" lang="en-US" altLang="ja-JP" dirty="0" smtClean="0"/>
+          </a:p>
+          <a:p>
+            <a:endParaRPr kumimoji="1" lang="en-US" altLang="ja-JP" dirty="0" smtClean="0"/>
+          </a:p>
+          <a:p>
+            <a:endParaRPr kumimoji="1" lang="en-US" altLang="ja-JP" dirty="0" smtClean="0"/>
+          </a:p>
+          <a:p>
+            <a:endParaRPr kumimoji="1" lang="en-US" altLang="ja-JP" dirty="0" smtClean="0"/>
+          </a:p>
+          <a:p>
+            <a:endParaRPr kumimoji="1" lang="ja-JP" altLang="en-US" dirty="0"/>
+          </a:p>
+        </p:txBody>
+      </p:sp>
+      <p:sp>
+        <p:nvSpPr>
+          <p:cNvPr id="4" name="スライド番号プレースホルダー 3"/>
+          <p:cNvSpPr>
+            <a:spLocks noGrp="1"/>
+          </p:cNvSpPr>
+          <p:nvPr>
+            <p:ph type="sldNum" sz="quarter" idx="10"/>
+          </p:nvPr>
+        </p:nvSpPr>
+        <p:spPr/>
+        <p:txBody>
+          <a:bodyPr/>
+          <a:lstStyle/>
+          <a:p>
+            <a:fld id="{E688441C-F395-40D9-A96F-893E81C16D77}" type="slidenum">
+              <a:rPr kumimoji="1" lang="ja-JP" altLang="en-US" smtClean="0"/>
+              <a:t>9</a:t>
+            </a:fld>
+            <a:endParaRPr kumimoji="1" lang="ja-JP" altLang="en-US"/>
+          </a:p>
+        </p:txBody>
+      </p:sp>
+    </p:spTree>
+    <p:extLst>
+      <p:ext uri="{BB962C8B-B14F-4D97-AF65-F5344CB8AC3E}">
+        <p14:creationId xmlns:p14="http://schemas.microsoft.com/office/powerpoint/2010/main" val="2379356141"/>
+      </p:ext>
+    </p:extLst>
+  </p:cSld>
+  <p:clrMapOvr>
+    <a:masterClrMapping/>
+  </p:clrMapOvr>
+</p:notes>
 </file>
 
 <file path=ppt/slideLayouts/slideLayout1.xml><?xml version="1.0" encoding="utf-8"?>
@@ -3272,7 +5036,7 @@
           <p:nvPr/>
         </p:nvPicPr>
         <p:blipFill>
-          <a:blip r:embed="rId2">
+          <a:blip r:embed="rId3">
             <a:extLst>
               <a:ext uri="{28A0092B-C50C-407E-A947-70E740481C1C}">
                 <a14:useLocalDpi xmlns:a14="http://schemas.microsoft.com/office/drawing/2010/main" val="0"/>
@@ -4159,7 +5923,7 @@
         </p:nvSpPr>
         <p:spPr>
           <a:xfrm>
-            <a:off x="989814" y="4223208"/>
+            <a:off x="838200" y="4197808"/>
             <a:ext cx="9876422" cy="1354217"/>
           </a:xfrm>
           <a:prstGeom prst="rect">
@@ -4448,39 +6212,13 @@
       </p:sp>
       <p:sp>
         <p:nvSpPr>
-          <p:cNvPr id="3" name="テキスト ボックス 2"/>
-          <p:cNvSpPr txBox="1"/>
-          <p:nvPr/>
-        </p:nvSpPr>
-        <p:spPr>
-          <a:xfrm>
-            <a:off x="2277374" y="2665562"/>
-            <a:ext cx="184731" cy="369332"/>
-          </a:xfrm>
-          <a:prstGeom prst="rect">
-            <a:avLst/>
-          </a:prstGeom>
-          <a:noFill/>
-        </p:spPr>
-        <p:txBody>
-          <a:bodyPr wrap="none" rtlCol="0">
-            <a:spAutoFit/>
-          </a:bodyPr>
-          <a:lstStyle/>
-          <a:p>
-            <a:endParaRPr kumimoji="1" lang="ja-JP" altLang="en-US" dirty="0"/>
-          </a:p>
-        </p:txBody>
-      </p:sp>
-      <p:sp>
-        <p:nvSpPr>
           <p:cNvPr id="5" name="テキスト ボックス 4"/>
           <p:cNvSpPr txBox="1"/>
           <p:nvPr/>
         </p:nvSpPr>
         <p:spPr>
           <a:xfrm>
-            <a:off x="838200" y="2850228"/>
+            <a:off x="838200" y="2621628"/>
             <a:ext cx="9243236" cy="1077218"/>
           </a:xfrm>
           <a:prstGeom prst="rect">
@@ -4511,7 +6249,23 @@
           <a:p>
             <a:r>
               <a:rPr lang="ja-JP" altLang="en-US" sz="3200" dirty="0" smtClean="0"/>
-              <a:t>プレイヤーに楽しんでほしい。</a:t>
+              <a:t>プレイヤーに</a:t>
+            </a:r>
+            <a:r>
+              <a:rPr lang="ja-JP" altLang="en-US" sz="3200" dirty="0" smtClean="0"/>
+              <a:t>楽しんで</a:t>
+            </a:r>
+            <a:r>
+              <a:rPr lang="ja-JP" altLang="en-US" sz="3200" dirty="0" smtClean="0"/>
+              <a:t>もら</a:t>
+            </a:r>
+            <a:r>
+              <a:rPr lang="ja-JP" altLang="en-US" sz="3200" dirty="0"/>
+              <a:t>う</a:t>
+            </a:r>
+            <a:r>
+              <a:rPr lang="ja-JP" altLang="en-US" sz="3200" dirty="0" smtClean="0"/>
+              <a:t>。</a:t>
             </a:r>
             <a:endParaRPr lang="en-US" altLang="ja-JP" sz="3200" dirty="0" smtClean="0"/>
           </a:p>
@@ -4525,8 +6279,8 @@
         </p:nvSpPr>
         <p:spPr>
           <a:xfrm>
-            <a:off x="838200" y="4738037"/>
-            <a:ext cx="8914620" cy="584775"/>
+            <a:off x="838200" y="4509437"/>
+            <a:ext cx="9324989" cy="584775"/>
           </a:xfrm>
           <a:prstGeom prst="rect">
             <a:avLst/>
@@ -4549,15 +6303,27 @@
             </a:r>
             <a:r>
               <a:rPr lang="ja-JP" altLang="en-US" sz="3200" dirty="0" smtClean="0"/>
-              <a:t>代前半から</a:t>
-            </a:r>
-            <a:r>
-              <a:rPr lang="en-US" altLang="ja-JP" sz="3200" dirty="0" smtClean="0"/>
+              <a:t>代前半</a:t>
+            </a:r>
+            <a:r>
+              <a:rPr lang="ja-JP" altLang="en-US" sz="3200" dirty="0" smtClean="0"/>
+              <a:t>から</a:t>
+            </a:r>
+            <a:r>
+              <a:rPr lang="en-US" altLang="ja-JP" sz="3200" dirty="0"/>
               <a:t>20</a:t>
             </a:r>
             <a:r>
               <a:rPr lang="ja-JP" altLang="en-US" sz="3200" dirty="0" smtClean="0"/>
-              <a:t>代前半のアクション好きの男の子</a:t>
+              <a:t>歳頃迄</a:t>
+            </a:r>
+            <a:r>
+              <a:rPr lang="ja-JP" altLang="en-US" sz="3200" dirty="0" smtClean="0"/>
+              <a:t>のアクションが好き</a:t>
+            </a:r>
+            <a:r>
+              <a:rPr lang="ja-JP" altLang="en-US" sz="3200" dirty="0" smtClean="0"/>
+              <a:t>の男の子</a:t>
             </a:r>
             <a:endParaRPr lang="en-US" altLang="ja-JP" sz="3200" dirty="0" smtClean="0"/>
           </a:p>
@@ -4897,15 +6663,7 @@
             </a:r>
             <a:r>
               <a:rPr lang="en-US" altLang="ja-JP" sz="3200" dirty="0" smtClean="0"/>
-              <a:t>GitHub</a:t>
-            </a:r>
-            <a:r>
-              <a:rPr lang="en-US" altLang="ja-JP" sz="3200" dirty="0" smtClean="0"/>
-              <a:t>)</a:t>
-            </a:r>
-            <a:r>
-              <a:rPr lang="en-US" altLang="ja-JP" sz="3200" dirty="0" smtClean="0"/>
-              <a:t>	</a:t>
+              <a:t>GitHub)	</a:t>
             </a:r>
             <a:endParaRPr lang="en-US" altLang="ja-JP" sz="3200" dirty="0"/>
           </a:p>
@@ -4958,7 +6716,6 @@
               <a:rPr lang="en-US" altLang="ja-JP" sz="3200" dirty="0" smtClean="0"/>
               <a:t>Slack</a:t>
             </a:r>
-            <a:endParaRPr lang="en-US" altLang="ja-JP" sz="3200" dirty="0" smtClean="0"/>
           </a:p>
           <a:p>
             <a:endParaRPr kumimoji="1" lang="en-US" altLang="ja-JP" sz="3200" dirty="0" smtClean="0"/>
@@ -5501,7 +7258,7 @@
           <p:nvPr/>
         </p:nvPicPr>
         <p:blipFill>
-          <a:blip r:embed="rId2">
+          <a:blip r:embed="rId4">
             <a:extLst>
               <a:ext uri="{28A0092B-C50C-407E-A947-70E740481C1C}">
                 <a14:useLocalDpi xmlns:a14="http://schemas.microsoft.com/office/drawing/2010/main" val="0"/>
@@ -5531,7 +7288,7 @@
           <p:nvPr/>
         </p:nvPicPr>
         <p:blipFill>
-          <a:blip r:embed="rId3" cstate="print">
+          <a:blip r:embed="rId5" cstate="print">
             <a:extLst>
               <a:ext uri="{28A0092B-C50C-407E-A947-70E740481C1C}">
                 <a14:useLocalDpi xmlns:a14="http://schemas.microsoft.com/office/drawing/2010/main" val="0"/>
@@ -5561,7 +7318,7 @@
           <p:nvPr/>
         </p:nvPicPr>
         <p:blipFill>
-          <a:blip r:embed="rId4">
+          <a:blip r:embed="rId6">
             <a:extLst>
               <a:ext uri="{28A0092B-C50C-407E-A947-70E740481C1C}">
                 <a14:useLocalDpi xmlns:a14="http://schemas.microsoft.com/office/drawing/2010/main" val="0"/>
@@ -5590,7 +7347,7 @@
         </p:nvSpPr>
         <p:spPr>
           <a:xfrm>
-            <a:off x="13584736" y="1177069"/>
+            <a:off x="13584736" y="1155941"/>
             <a:ext cx="4822166" cy="1087143"/>
           </a:xfrm>
           <a:prstGeom prst="wedgeRectCallout">
@@ -5621,9 +7378,13 @@
             <a:pPr algn="ctr"/>
             <a:r>
               <a:rPr lang="ja-JP" altLang="en-US" sz="2000" dirty="0" smtClean="0"/>
-              <a:t>障害物：ゲーム画面の上側からプレイヤーに向かってくる。</a:t>
-            </a:r>
-            <a:endParaRPr kumimoji="1" lang="ja-JP" altLang="en-US" sz="2000" dirty="0"/>
+              <a:t>障害物：ゲーム画面の上側からプレイヤーに向かってくる</a:t>
+            </a:r>
+            <a:r>
+              <a:rPr lang="ja-JP" altLang="en-US" sz="2000" dirty="0" smtClean="0"/>
+              <a:t>。</a:t>
+            </a:r>
+            <a:endParaRPr lang="en-US" altLang="ja-JP" sz="2000" dirty="0" smtClean="0"/>
           </a:p>
         </p:txBody>
       </p:sp>
@@ -5685,7 +7446,7 @@
           <p:nvPr/>
         </p:nvPicPr>
         <p:blipFill>
-          <a:blip r:embed="rId5">
+          <a:blip r:embed="rId7">
             <a:extLst>
               <a:ext uri="{28A0092B-C50C-407E-A947-70E740481C1C}">
                 <a14:useLocalDpi xmlns:a14="http://schemas.microsoft.com/office/drawing/2010/main" val="0"/>
@@ -5771,6 +7532,36 @@
           </a:p>
         </p:txBody>
       </p:sp>
+      <p:pic>
+        <p:nvPicPr>
+          <p:cNvPr id="3" name="図 2"/>
+          <p:cNvPicPr>
+            <a:picLocks noChangeAspect="1"/>
+          </p:cNvPicPr>
+          <p:nvPr/>
+        </p:nvPicPr>
+        <p:blipFill>
+          <a:blip r:embed="rId8" cstate="print">
+            <a:extLst>
+              <a:ext uri="{28A0092B-C50C-407E-A947-70E740481C1C}">
+                <a14:useLocalDpi xmlns:a14="http://schemas.microsoft.com/office/drawing/2010/main" val="0"/>
+              </a:ext>
+            </a:extLst>
+          </a:blip>
+          <a:stretch>
+            <a:fillRect/>
+          </a:stretch>
+        </p:blipFill>
+        <p:spPr>
+          <a:xfrm>
+            <a:off x="2318370" y="1291260"/>
+            <a:ext cx="1152058" cy="1225248"/>
+          </a:xfrm>
+          <a:prstGeom prst="rect">
+            <a:avLst/>
+          </a:prstGeom>
+        </p:spPr>
+      </p:pic>
     </p:spTree>
     <p:extLst>
       <p:ext uri="{BB962C8B-B14F-4D97-AF65-F5344CB8AC3E}">
@@ -6243,6 +8034,82 @@
                                       <p:rCtr x="-30964" y="509"/>
                                     </p:animMotion>
                                   </p:childTnLst>
+                                </p:cTn>
+                              </p:par>
+                            </p:childTnLst>
+                          </p:cTn>
+                        </p:par>
+                      </p:childTnLst>
+                    </p:cTn>
+                  </p:par>
+                  <p:par>
+                    <p:cTn id="37" fill="hold">
+                      <p:stCondLst>
+                        <p:cond delay="indefinite"/>
+                      </p:stCondLst>
+                      <p:childTnLst>
+                        <p:par>
+                          <p:cTn id="38" fill="hold">
+                            <p:stCondLst>
+                              <p:cond delay="0"/>
+                            </p:stCondLst>
+                            <p:childTnLst>
+                              <p:par>
+                                <p:cTn id="39" presetID="16" presetClass="entr" presetSubtype="37" fill="hold" nodeType="clickEffect">
+                                  <p:stCondLst>
+                                    <p:cond delay="0"/>
+                                  </p:stCondLst>
+                                  <p:childTnLst>
+                                    <p:set>
+                                      <p:cBhvr>
+                                        <p:cTn id="40" dur="1" fill="hold">
+                                          <p:stCondLst>
+                                            <p:cond delay="0"/>
+                                          </p:stCondLst>
+                                        </p:cTn>
+                                        <p:tgtEl>
+                                          <p:spTgt spid="3"/>
+                                        </p:tgtEl>
+                                        <p:attrNameLst>
+                                          <p:attrName>style.visibility</p:attrName>
+                                        </p:attrNameLst>
+                                      </p:cBhvr>
+                                      <p:to>
+                                        <p:strVal val="visible"/>
+                                      </p:to>
+                                    </p:set>
+                                    <p:animEffect transition="in" filter="barn(outVertical)">
+                                      <p:cBhvr>
+                                        <p:cTn id="41" dur="500"/>
+                                        <p:tgtEl>
+                                          <p:spTgt spid="3"/>
+                                        </p:tgtEl>
+                                      </p:cBhvr>
+                                    </p:animEffect>
+                                  </p:childTnLst>
+                                  <p:subTnLst>
+                                    <p:audio>
+                                      <p:cMediaNode vol="70000">
+                                        <p:cTn display="0" masterRel="sameClick">
+                                          <p:stCondLst>
+                                            <p:cond evt="begin" delay="0">
+                                              <p:tn val="39"/>
+                                            </p:cond>
+                                          </p:stCondLst>
+                                          <p:endCondLst>
+                                            <p:cond evt="onStopAudio" delay="0">
+                                              <p:tgtEl>
+                                                <p:sldTgt/>
+                                              </p:tgtEl>
+                                            </p:cond>
+                                          </p:endCondLst>
+                                        </p:cTn>
+                                        <p:tgtEl>
+                                          <p:sndTgt r:embed="rId3" name="swordAttack (online-audio-converter.com).wav"/>
+                                        </p:tgtEl>
+                                      </p:cMediaNode>
+                                    </p:audio>
+                                  </p:subTnLst>
                                 </p:cTn>
                               </p:par>
                             </p:childTnLst>
@@ -7367,4 +9234,265 @@
     </a:ext>
   </a:extLst>
 </a:theme>
+</file>
+
+<file path=ppt/theme/theme2.xml><?xml version="1.0" encoding="utf-8"?>
+<a:theme xmlns:a="http://schemas.openxmlformats.org/drawingml/2006/main" name="Office テーマ">
+  <a:themeElements>
+    <a:clrScheme name="Office">
+      <a:dk1>
+        <a:sysClr val="windowText" lastClr="000000"/>
+      </a:dk1>
+      <a:lt1>
+        <a:sysClr val="window" lastClr="FFFFFF"/>
+      </a:lt1>
+      <a:dk2>
+        <a:srgbClr val="44546A"/>
+      </a:dk2>
+      <a:lt2>
+        <a:srgbClr val="E7E6E6"/>
+      </a:lt2>
+      <a:accent1>
+        <a:srgbClr val="5B9BD5"/>
+      </a:accent1>
+      <a:accent2>
+        <a:srgbClr val="ED7D31"/>
+      </a:accent2>
+      <a:accent3>
+        <a:srgbClr val="A5A5A5"/>
+      </a:accent3>
+      <a:accent4>
+        <a:srgbClr val="FFC000"/>
+      </a:accent4>
+      <a:accent5>
+        <a:srgbClr val="4472C4"/>
+      </a:accent5>
+      <a:accent6>
+        <a:srgbClr val="70AD47"/>
+      </a:accent6>
+      <a:hlink>
+        <a:srgbClr val="0563C1"/>
+      </a:hlink>
+      <a:folHlink>
+        <a:srgbClr val="954F72"/>
+      </a:folHlink>
+    </a:clrScheme>
+    <a:fontScheme name="Office">
+      <a:majorFont>
+        <a:latin typeface="Calibri Light" panose="020F0302020204030204"/>
+        <a:ea typeface=""/>
+        <a:cs typeface=""/>
+        <a:font script="Jpan" typeface="ＭＳ Ｐゴシック"/>
+        <a:font script="Hang" typeface="맑은 고딕"/>
+        <a:font script="Hans" typeface="宋体"/>
+        <a:font script="Hant" typeface="新細明體"/>
+        <a:font script="Arab" typeface="Times New Roman"/>
+        <a:font script="Hebr" typeface="Times New Roman"/>
+        <a:font script="Thai" typeface="Angsana New"/>
+        <a:font script="Ethi" typeface="Nyala"/>
+        <a:font script="Beng" typeface="Vrinda"/>
+        <a:font script="Gujr" typeface="Shruti"/>
+        <a:font script="Khmr" typeface="MoolBoran"/>
+        <a:font script="Knda" typeface="Tunga"/>
+        <a:font script="Guru" typeface="Raavi"/>
+        <a:font script="Cans" typeface="Euphemia"/>
+        <a:font script="Cher" typeface="Plantagenet Cherokee"/>
+        <a:font script="Yiii" typeface="Microsoft Yi Baiti"/>
+        <a:font script="Tibt" typeface="Microsoft Himalaya"/>
+        <a:font script="Thaa" typeface="MV Boli"/>
+        <a:font script="Deva" typeface="Mangal"/>
+        <a:font script="Telu" typeface="Gautami"/>
+        <a:font script="Taml" typeface="Latha"/>
+        <a:font script="Syrc" typeface="Estrangelo Edessa"/>
+        <a:font script="Orya" typeface="Kalinga"/>
+        <a:font script="Mlym" typeface="Kartika"/>
+        <a:font script="Laoo" typeface="DokChampa"/>
+        <a:font script="Sinh" typeface="Iskoola Pota"/>
+        <a:font script="Mong" typeface="Mongolian Baiti"/>
+        <a:font script="Viet" typeface="Times New Roman"/>
+        <a:font script="Uigh" typeface="Microsoft Uighur"/>
+        <a:font script="Geor" typeface="Sylfaen"/>
+      </a:majorFont>
+      <a:minorFont>
+        <a:latin typeface="Calibri" panose="020F0502020204030204"/>
+        <a:ea typeface=""/>
+        <a:cs typeface=""/>
+        <a:font script="Jpan" typeface="ＭＳ Ｐゴシック"/>
+        <a:font script="Hang" typeface="맑은 고딕"/>
+        <a:font script="Hans" typeface="宋体"/>
+        <a:font script="Hant" typeface="新細明體"/>
+        <a:font script="Arab" typeface="Arial"/>
+        <a:font script="Hebr" typeface="Arial"/>
+        <a:font script="Thai" typeface="Cordia New"/>
+        <a:font script="Ethi" typeface="Nyala"/>
+        <a:font script="Beng" typeface="Vrinda"/>
+        <a:font script="Gujr" typeface="Shruti"/>
+        <a:font script="Khmr" typeface="DaunPenh"/>
+        <a:font script="Knda" typeface="Tunga"/>
+        <a:font script="Guru" typeface="Raavi"/>
+        <a:font script="Cans" typeface="Euphemia"/>
+        <a:font script="Cher" typeface="Plantagenet Cherokee"/>
+        <a:font script="Yiii" typeface="Microsoft Yi Baiti"/>
+        <a:font script="Tibt" typeface="Microsoft Himalaya"/>
+        <a:font script="Thaa" typeface="MV Boli"/>
+        <a:font script="Deva" typeface="Mangal"/>
+        <a:font script="Telu" typeface="Gautami"/>
+        <a:font script="Taml" typeface="Latha"/>
+        <a:font script="Syrc" typeface="Estrangelo Edessa"/>
+        <a:font script="Orya" typeface="Kalinga"/>
+        <a:font script="Mlym" typeface="Kartika"/>
+        <a:font script="Laoo" typeface="DokChampa"/>
+        <a:font script="Sinh" typeface="Iskoola Pota"/>
+        <a:font script="Mong" typeface="Mongolian Baiti"/>
+        <a:font script="Viet" typeface="Arial"/>
+        <a:font script="Uigh" typeface="Microsoft Uighur"/>
+        <a:font script="Geor" typeface="Sylfaen"/>
+      </a:minorFont>
+    </a:fontScheme>
+    <a:fmtScheme name="Office">
+      <a:fillStyleLst>
+        <a:solidFill>
+          <a:schemeClr val="phClr"/>
+        </a:solidFill>
+        <a:gradFill rotWithShape="1">
+          <a:gsLst>
+            <a:gs pos="0">
+              <a:schemeClr val="phClr">
+                <a:lumMod val="110000"/>
+                <a:satMod val="105000"/>
+                <a:tint val="67000"/>
+              </a:schemeClr>
+            </a:gs>
+            <a:gs pos="50000">
+              <a:schemeClr val="phClr">
+                <a:lumMod val="105000"/>
+                <a:satMod val="103000"/>
+                <a:tint val="73000"/>
+              </a:schemeClr>
+            </a:gs>
+            <a:gs pos="100000">
+              <a:schemeClr val="phClr">
+                <a:lumMod val="105000"/>
+                <a:satMod val="109000"/>
+                <a:tint val="81000"/>
+              </a:schemeClr>
+            </a:gs>
+          </a:gsLst>
+          <a:lin ang="5400000" scaled="0"/>
+        </a:gradFill>
+        <a:gradFill rotWithShape="1">
+          <a:gsLst>
+            <a:gs pos="0">
+              <a:schemeClr val="phClr">
+                <a:satMod val="103000"/>
+                <a:lumMod val="102000"/>
+                <a:tint val="94000"/>
+              </a:schemeClr>
+            </a:gs>
+            <a:gs pos="50000">
+              <a:schemeClr val="phClr">
+                <a:satMod val="110000"/>
+                <a:lumMod val="100000"/>
+                <a:shade val="100000"/>
+              </a:schemeClr>
+            </a:gs>
+            <a:gs pos="100000">
+              <a:schemeClr val="phClr">
+                <a:lumMod val="99000"/>
+                <a:satMod val="120000"/>
+                <a:shade val="78000"/>
+              </a:schemeClr>
+            </a:gs>
+          </a:gsLst>
+          <a:lin ang="5400000" scaled="0"/>
+        </a:gradFill>
+      </a:fillStyleLst>
+      <a:lnStyleLst>
+        <a:ln w="6350" cap="flat" cmpd="sng" algn="ctr">
+          <a:solidFill>
+            <a:schemeClr val="phClr"/>
+          </a:solidFill>
+          <a:prstDash val="solid"/>
+          <a:miter lim="800000"/>
+        </a:ln>
+        <a:ln w="12700" cap="flat" cmpd="sng" algn="ctr">
+          <a:solidFill>
+            <a:schemeClr val="phClr"/>
+          </a:solidFill>
+          <a:prstDash val="solid"/>
+          <a:miter lim="800000"/>
+        </a:ln>
+        <a:ln w="19050" cap="flat" cmpd="sng" algn="ctr">
+          <a:solidFill>
+            <a:schemeClr val="phClr"/>
+          </a:solidFill>
+          <a:prstDash val="solid"/>
+          <a:miter lim="800000"/>
+        </a:ln>
+      </a:lnStyleLst>
+      <a:effectStyleLst>
+        <a:effectStyle>
+          <a:effectLst/>
+        </a:effectStyle>
+        <a:effectStyle>
+          <a:effectLst/>
+        </a:effectStyle>
+        <a:effectStyle>
+          <a:effectLst>
+            <a:outerShdw blurRad="57150" dist="19050" dir="5400000" algn="ctr" rotWithShape="0">
+              <a:srgbClr val="000000">
+                <a:alpha val="63000"/>
+              </a:srgbClr>
+            </a:outerShdw>
+          </a:effectLst>
+        </a:effectStyle>
+      </a:effectStyleLst>
+      <a:bgFillStyleLst>
+        <a:solidFill>
+          <a:schemeClr val="phClr"/>
+        </a:solidFill>
+        <a:solidFill>
+          <a:schemeClr val="phClr">
+            <a:tint val="95000"/>
+            <a:satMod val="170000"/>
+          </a:schemeClr>
+        </a:solidFill>
+        <a:gradFill rotWithShape="1">
+          <a:gsLst>
+            <a:gs pos="0">
+              <a:schemeClr val="phClr">
+                <a:tint val="93000"/>
+                <a:satMod val="150000"/>
+                <a:shade val="98000"/>
+                <a:lumMod val="102000"/>
+              </a:schemeClr>
+            </a:gs>
+            <a:gs pos="50000">
+              <a:schemeClr val="phClr">
+                <a:tint val="98000"/>
+                <a:satMod val="130000"/>
+                <a:shade val="90000"/>
+                <a:lumMod val="103000"/>
+              </a:schemeClr>
+            </a:gs>
+            <a:gs pos="100000">
+              <a:schemeClr val="phClr">
+                <a:shade val="63000"/>
+                <a:satMod val="120000"/>
+              </a:schemeClr>
+            </a:gs>
+          </a:gsLst>
+          <a:lin ang="5400000" scaled="0"/>
+        </a:gradFill>
+      </a:bgFillStyleLst>
+    </a:fmtScheme>
+  </a:themeElements>
+  <a:objectDefaults/>
+  <a:extraClrSchemeLst/>
+  <a:extLst>
+    <a:ext uri="{05A4C25C-085E-4340-85A3-A5531E510DB2}">
+      <thm15:themeFamily xmlns:thm15="http://schemas.microsoft.com/office/thememl/2012/main" name="Office Theme" id="{62F939B6-93AF-4DB8-9C6B-D6C7DFDC589F}" vid="{4A3C46E8-61CC-4603-A589-7422A47A8E4A}"/>
+    </a:ext>
+  </a:extLst>
+</a:theme>
 </file>